--- a/PPT/PPT_MAI.pptx
+++ b/PPT/PPT_MAI.pptx
@@ -6,16 +6,20 @@
     <p:sldMasterId id="2147483694" r:id="rId2"/>
   </p:sldMasterIdLst>
   <p:notesMasterIdLst>
-    <p:notesMasterId r:id="rId7"/>
+    <p:notesMasterId r:id="rId11"/>
   </p:notesMasterIdLst>
   <p:handoutMasterIdLst>
-    <p:handoutMasterId r:id="rId8"/>
+    <p:handoutMasterId r:id="rId12"/>
   </p:handoutMasterIdLst>
   <p:sldIdLst>
     <p:sldId id="268" r:id="rId3"/>
-    <p:sldId id="271" r:id="rId4"/>
-    <p:sldId id="269" r:id="rId5"/>
-    <p:sldId id="270" r:id="rId6"/>
+    <p:sldId id="275" r:id="rId4"/>
+    <p:sldId id="276" r:id="rId5"/>
+    <p:sldId id="271" r:id="rId6"/>
+    <p:sldId id="277" r:id="rId7"/>
+    <p:sldId id="269" r:id="rId8"/>
+    <p:sldId id="272" r:id="rId9"/>
+    <p:sldId id="270" r:id="rId10"/>
   </p:sldIdLst>
   <p:sldSz cx="12192000" cy="6858000"/>
   <p:notesSz cx="6858000" cy="9144000"/>
@@ -125,6 +129,3120 @@
 </p:presentation>
 </file>
 
+<file path=ppt/diagrams/colors1.xml><?xml version="1.0" encoding="utf-8"?>
+<dgm:colorsDef xmlns:dgm="http://schemas.openxmlformats.org/drawingml/2006/diagram" xmlns:a="http://schemas.openxmlformats.org/drawingml/2006/main" uniqueId="urn:microsoft.com/office/officeart/2005/8/colors/colorful1">
+  <dgm:title val=""/>
+  <dgm:desc val=""/>
+  <dgm:catLst>
+    <dgm:cat type="colorful" pri="10100"/>
+  </dgm:catLst>
+  <dgm:styleLbl name="node0">
+    <dgm:fillClrLst meth="repeat">
+      <a:schemeClr val="accent1"/>
+    </dgm:fillClrLst>
+    <dgm:linClrLst meth="repeat">
+      <a:schemeClr val="lt1"/>
+    </dgm:linClrLst>
+    <dgm:effectClrLst/>
+    <dgm:txLinClrLst/>
+    <dgm:txFillClrLst/>
+    <dgm:txEffectClrLst/>
+  </dgm:styleLbl>
+  <dgm:styleLbl name="node1">
+    <dgm:fillClrLst meth="repeat">
+      <a:schemeClr val="accent2"/>
+      <a:schemeClr val="accent3"/>
+      <a:schemeClr val="accent4"/>
+      <a:schemeClr val="accent5"/>
+      <a:schemeClr val="accent6"/>
+    </dgm:fillClrLst>
+    <dgm:linClrLst meth="repeat">
+      <a:schemeClr val="lt1"/>
+    </dgm:linClrLst>
+    <dgm:effectClrLst/>
+    <dgm:txLinClrLst/>
+    <dgm:txFillClrLst/>
+    <dgm:txEffectClrLst/>
+  </dgm:styleLbl>
+  <dgm:styleLbl name="alignNode1">
+    <dgm:fillClrLst meth="repeat">
+      <a:schemeClr val="accent2"/>
+      <a:schemeClr val="accent3"/>
+      <a:schemeClr val="accent4"/>
+      <a:schemeClr val="accent5"/>
+      <a:schemeClr val="accent6"/>
+    </dgm:fillClrLst>
+    <dgm:linClrLst meth="repeat">
+      <a:schemeClr val="accent2"/>
+      <a:schemeClr val="accent3"/>
+      <a:schemeClr val="accent4"/>
+      <a:schemeClr val="accent5"/>
+      <a:schemeClr val="accent6"/>
+    </dgm:linClrLst>
+    <dgm:effectClrLst/>
+    <dgm:txLinClrLst/>
+    <dgm:txFillClrLst/>
+    <dgm:txEffectClrLst/>
+  </dgm:styleLbl>
+  <dgm:styleLbl name="lnNode1">
+    <dgm:fillClrLst meth="repeat">
+      <a:schemeClr val="accent2"/>
+      <a:schemeClr val="accent3"/>
+      <a:schemeClr val="accent4"/>
+      <a:schemeClr val="accent5"/>
+      <a:schemeClr val="accent6"/>
+    </dgm:fillClrLst>
+    <dgm:linClrLst meth="repeat">
+      <a:schemeClr val="lt1"/>
+    </dgm:linClrLst>
+    <dgm:effectClrLst/>
+    <dgm:txLinClrLst/>
+    <dgm:txFillClrLst/>
+    <dgm:txEffectClrLst/>
+  </dgm:styleLbl>
+  <dgm:styleLbl name="vennNode1">
+    <dgm:fillClrLst meth="repeat">
+      <a:schemeClr val="accent2">
+        <a:alpha val="50000"/>
+      </a:schemeClr>
+      <a:schemeClr val="accent3">
+        <a:alpha val="50000"/>
+      </a:schemeClr>
+      <a:schemeClr val="accent4">
+        <a:alpha val="50000"/>
+      </a:schemeClr>
+      <a:schemeClr val="accent5">
+        <a:alpha val="50000"/>
+      </a:schemeClr>
+      <a:schemeClr val="accent6">
+        <a:alpha val="50000"/>
+      </a:schemeClr>
+    </dgm:fillClrLst>
+    <dgm:linClrLst meth="repeat">
+      <a:schemeClr val="lt1"/>
+    </dgm:linClrLst>
+    <dgm:effectClrLst/>
+    <dgm:txLinClrLst/>
+    <dgm:txFillClrLst/>
+    <dgm:txEffectClrLst/>
+  </dgm:styleLbl>
+  <dgm:styleLbl name="node2">
+    <dgm:fillClrLst>
+      <a:schemeClr val="accent2"/>
+    </dgm:fillClrLst>
+    <dgm:linClrLst meth="repeat">
+      <a:schemeClr val="lt1"/>
+    </dgm:linClrLst>
+    <dgm:effectClrLst/>
+    <dgm:txLinClrLst/>
+    <dgm:txFillClrLst/>
+    <dgm:txEffectClrLst/>
+  </dgm:styleLbl>
+  <dgm:styleLbl name="node3">
+    <dgm:fillClrLst>
+      <a:schemeClr val="accent3"/>
+    </dgm:fillClrLst>
+    <dgm:linClrLst meth="repeat">
+      <a:schemeClr val="lt1"/>
+    </dgm:linClrLst>
+    <dgm:effectClrLst/>
+    <dgm:txLinClrLst/>
+    <dgm:txFillClrLst/>
+    <dgm:txEffectClrLst/>
+  </dgm:styleLbl>
+  <dgm:styleLbl name="node4">
+    <dgm:fillClrLst>
+      <a:schemeClr val="accent4"/>
+    </dgm:fillClrLst>
+    <dgm:linClrLst meth="repeat">
+      <a:schemeClr val="lt1"/>
+    </dgm:linClrLst>
+    <dgm:effectClrLst/>
+    <dgm:txLinClrLst/>
+    <dgm:txFillClrLst/>
+    <dgm:txEffectClrLst/>
+  </dgm:styleLbl>
+  <dgm:styleLbl name="fgImgPlace1">
+    <dgm:fillClrLst meth="repeat">
+      <a:schemeClr val="accent2">
+        <a:tint val="50000"/>
+      </a:schemeClr>
+      <a:schemeClr val="accent3">
+        <a:tint val="50000"/>
+      </a:schemeClr>
+      <a:schemeClr val="accent4">
+        <a:tint val="50000"/>
+      </a:schemeClr>
+      <a:schemeClr val="accent5">
+        <a:tint val="50000"/>
+      </a:schemeClr>
+      <a:schemeClr val="accent6">
+        <a:tint val="50000"/>
+      </a:schemeClr>
+    </dgm:fillClrLst>
+    <dgm:linClrLst meth="repeat">
+      <a:schemeClr val="lt1"/>
+    </dgm:linClrLst>
+    <dgm:effectClrLst/>
+    <dgm:txLinClrLst/>
+    <dgm:txFillClrLst meth="repeat">
+      <a:schemeClr val="lt1"/>
+    </dgm:txFillClrLst>
+    <dgm:txEffectClrLst/>
+  </dgm:styleLbl>
+  <dgm:styleLbl name="alignImgPlace1">
+    <dgm:fillClrLst>
+      <a:schemeClr val="accent1">
+        <a:tint val="50000"/>
+      </a:schemeClr>
+      <a:schemeClr val="accent2">
+        <a:tint val="20000"/>
+      </a:schemeClr>
+    </dgm:fillClrLst>
+    <dgm:linClrLst meth="repeat">
+      <a:schemeClr val="lt1"/>
+    </dgm:linClrLst>
+    <dgm:effectClrLst/>
+    <dgm:txLinClrLst/>
+    <dgm:txFillClrLst meth="repeat">
+      <a:schemeClr val="lt1"/>
+    </dgm:txFillClrLst>
+    <dgm:txEffectClrLst/>
+  </dgm:styleLbl>
+  <dgm:styleLbl name="bgImgPlace1">
+    <dgm:fillClrLst>
+      <a:schemeClr val="accent1">
+        <a:tint val="50000"/>
+      </a:schemeClr>
+      <a:schemeClr val="accent2">
+        <a:tint val="20000"/>
+      </a:schemeClr>
+    </dgm:fillClrLst>
+    <dgm:linClrLst meth="repeat">
+      <a:schemeClr val="lt1"/>
+    </dgm:linClrLst>
+    <dgm:effectClrLst/>
+    <dgm:txLinClrLst/>
+    <dgm:txFillClrLst meth="repeat">
+      <a:schemeClr val="lt1"/>
+    </dgm:txFillClrLst>
+    <dgm:txEffectClrLst/>
+  </dgm:styleLbl>
+  <dgm:styleLbl name="sibTrans2D1">
+    <dgm:fillClrLst meth="repeat">
+      <a:schemeClr val="accent2"/>
+      <a:schemeClr val="accent3"/>
+      <a:schemeClr val="accent4"/>
+      <a:schemeClr val="accent5"/>
+      <a:schemeClr val="accent6"/>
+    </dgm:fillClrLst>
+    <dgm:linClrLst meth="cycle">
+      <a:schemeClr val="lt1"/>
+    </dgm:linClrLst>
+    <dgm:effectClrLst/>
+    <dgm:txLinClrLst/>
+    <dgm:txFillClrLst/>
+    <dgm:txEffectClrLst/>
+  </dgm:styleLbl>
+  <dgm:styleLbl name="fgSibTrans2D1">
+    <dgm:fillClrLst meth="repeat">
+      <a:schemeClr val="accent2"/>
+      <a:schemeClr val="accent3"/>
+      <a:schemeClr val="accent4"/>
+      <a:schemeClr val="accent5"/>
+      <a:schemeClr val="accent6"/>
+    </dgm:fillClrLst>
+    <dgm:linClrLst meth="cycle">
+      <a:schemeClr val="lt1"/>
+    </dgm:linClrLst>
+    <dgm:effectClrLst/>
+    <dgm:txLinClrLst/>
+    <dgm:txFillClrLst meth="repeat">
+      <a:schemeClr val="lt1"/>
+    </dgm:txFillClrLst>
+    <dgm:txEffectClrLst/>
+  </dgm:styleLbl>
+  <dgm:styleLbl name="bgSibTrans2D1">
+    <dgm:fillClrLst meth="repeat">
+      <a:schemeClr val="accent2"/>
+      <a:schemeClr val="accent3"/>
+      <a:schemeClr val="accent4"/>
+      <a:schemeClr val="accent5"/>
+      <a:schemeClr val="accent6"/>
+    </dgm:fillClrLst>
+    <dgm:linClrLst meth="cycle">
+      <a:schemeClr val="lt1"/>
+    </dgm:linClrLst>
+    <dgm:effectClrLst/>
+    <dgm:txLinClrLst/>
+    <dgm:txFillClrLst meth="repeat">
+      <a:schemeClr val="lt1"/>
+    </dgm:txFillClrLst>
+    <dgm:txEffectClrLst/>
+  </dgm:styleLbl>
+  <dgm:styleLbl name="sibTrans1D1">
+    <dgm:fillClrLst meth="repeat">
+      <a:schemeClr val="accent2"/>
+      <a:schemeClr val="accent3"/>
+      <a:schemeClr val="accent4"/>
+      <a:schemeClr val="accent5"/>
+      <a:schemeClr val="accent6"/>
+    </dgm:fillClrLst>
+    <dgm:linClrLst meth="repeat">
+      <a:schemeClr val="accent2"/>
+      <a:schemeClr val="accent3"/>
+      <a:schemeClr val="accent4"/>
+      <a:schemeClr val="accent5"/>
+      <a:schemeClr val="accent6"/>
+    </dgm:linClrLst>
+    <dgm:effectClrLst/>
+    <dgm:txLinClrLst/>
+    <dgm:txFillClrLst meth="repeat">
+      <a:schemeClr val="tx1"/>
+    </dgm:txFillClrLst>
+    <dgm:txEffectClrLst/>
+  </dgm:styleLbl>
+  <dgm:styleLbl name="callout">
+    <dgm:fillClrLst meth="repeat">
+      <a:schemeClr val="accent2"/>
+    </dgm:fillClrLst>
+    <dgm:linClrLst meth="repeat">
+      <a:schemeClr val="accent2">
+        <a:tint val="50000"/>
+      </a:schemeClr>
+    </dgm:linClrLst>
+    <dgm:effectClrLst/>
+    <dgm:txLinClrLst/>
+    <dgm:txFillClrLst meth="repeat">
+      <a:schemeClr val="tx1"/>
+    </dgm:txFillClrLst>
+    <dgm:txEffectClrLst/>
+  </dgm:styleLbl>
+  <dgm:styleLbl name="asst0">
+    <dgm:fillClrLst meth="repeat">
+      <a:schemeClr val="accent1"/>
+    </dgm:fillClrLst>
+    <dgm:linClrLst meth="repeat">
+      <a:schemeClr val="lt1"/>
+    </dgm:linClrLst>
+    <dgm:effectClrLst/>
+    <dgm:txLinClrLst/>
+    <dgm:txFillClrLst/>
+    <dgm:txEffectClrLst/>
+  </dgm:styleLbl>
+  <dgm:styleLbl name="asst1">
+    <dgm:fillClrLst meth="repeat">
+      <a:schemeClr val="accent2"/>
+    </dgm:fillClrLst>
+    <dgm:linClrLst meth="repeat">
+      <a:schemeClr val="lt1"/>
+    </dgm:linClrLst>
+    <dgm:effectClrLst/>
+    <dgm:txLinClrLst/>
+    <dgm:txFillClrLst/>
+    <dgm:txEffectClrLst/>
+  </dgm:styleLbl>
+  <dgm:styleLbl name="asst2">
+    <dgm:fillClrLst>
+      <a:schemeClr val="accent3"/>
+    </dgm:fillClrLst>
+    <dgm:linClrLst meth="repeat">
+      <a:schemeClr val="lt1"/>
+    </dgm:linClrLst>
+    <dgm:effectClrLst/>
+    <dgm:txLinClrLst/>
+    <dgm:txFillClrLst/>
+    <dgm:txEffectClrLst/>
+  </dgm:styleLbl>
+  <dgm:styleLbl name="asst3">
+    <dgm:fillClrLst>
+      <a:schemeClr val="accent4"/>
+    </dgm:fillClrLst>
+    <dgm:linClrLst meth="repeat">
+      <a:schemeClr val="lt1"/>
+    </dgm:linClrLst>
+    <dgm:effectClrLst/>
+    <dgm:txLinClrLst/>
+    <dgm:txFillClrLst/>
+    <dgm:txEffectClrLst/>
+  </dgm:styleLbl>
+  <dgm:styleLbl name="asst4">
+    <dgm:fillClrLst>
+      <a:schemeClr val="accent5"/>
+    </dgm:fillClrLst>
+    <dgm:linClrLst meth="repeat">
+      <a:schemeClr val="lt1"/>
+    </dgm:linClrLst>
+    <dgm:effectClrLst/>
+    <dgm:txLinClrLst/>
+    <dgm:txFillClrLst/>
+    <dgm:txEffectClrLst/>
+  </dgm:styleLbl>
+  <dgm:styleLbl name="parChTrans2D1">
+    <dgm:fillClrLst meth="repeat">
+      <a:schemeClr val="accent2"/>
+    </dgm:fillClrLst>
+    <dgm:linClrLst meth="repeat">
+      <a:schemeClr val="lt1"/>
+    </dgm:linClrLst>
+    <dgm:effectClrLst/>
+    <dgm:txLinClrLst/>
+    <dgm:txFillClrLst meth="repeat">
+      <a:schemeClr val="lt1"/>
+    </dgm:txFillClrLst>
+    <dgm:txEffectClrLst/>
+  </dgm:styleLbl>
+  <dgm:styleLbl name="parChTrans2D2">
+    <dgm:fillClrLst meth="repeat">
+      <a:schemeClr val="accent3"/>
+    </dgm:fillClrLst>
+    <dgm:linClrLst meth="repeat">
+      <a:schemeClr val="lt1"/>
+    </dgm:linClrLst>
+    <dgm:effectClrLst/>
+    <dgm:txLinClrLst/>
+    <dgm:txFillClrLst/>
+    <dgm:txEffectClrLst/>
+  </dgm:styleLbl>
+  <dgm:styleLbl name="parChTrans2D3">
+    <dgm:fillClrLst meth="repeat">
+      <a:schemeClr val="accent4"/>
+    </dgm:fillClrLst>
+    <dgm:linClrLst meth="repeat">
+      <a:schemeClr val="lt1"/>
+    </dgm:linClrLst>
+    <dgm:effectClrLst/>
+    <dgm:txLinClrLst/>
+    <dgm:txFillClrLst/>
+    <dgm:txEffectClrLst/>
+  </dgm:styleLbl>
+  <dgm:styleLbl name="parChTrans2D4">
+    <dgm:fillClrLst meth="repeat">
+      <a:schemeClr val="accent5"/>
+    </dgm:fillClrLst>
+    <dgm:linClrLst meth="repeat">
+      <a:schemeClr val="lt1"/>
+    </dgm:linClrLst>
+    <dgm:effectClrLst/>
+    <dgm:txLinClrLst/>
+    <dgm:txFillClrLst meth="repeat">
+      <a:schemeClr val="lt1"/>
+    </dgm:txFillClrLst>
+    <dgm:txEffectClrLst/>
+  </dgm:styleLbl>
+  <dgm:styleLbl name="parChTrans1D1">
+    <dgm:fillClrLst meth="repeat">
+      <a:schemeClr val="accent2"/>
+    </dgm:fillClrLst>
+    <dgm:linClrLst meth="repeat">
+      <a:schemeClr val="accent1"/>
+    </dgm:linClrLst>
+    <dgm:effectClrLst/>
+    <dgm:txLinClrLst/>
+    <dgm:txFillClrLst meth="repeat">
+      <a:schemeClr val="tx1"/>
+    </dgm:txFillClrLst>
+    <dgm:txEffectClrLst/>
+  </dgm:styleLbl>
+  <dgm:styleLbl name="parChTrans1D2">
+    <dgm:fillClrLst meth="repeat">
+      <a:schemeClr val="accent3">
+        <a:tint val="90000"/>
+      </a:schemeClr>
+    </dgm:fillClrLst>
+    <dgm:linClrLst meth="repeat">
+      <a:schemeClr val="accent2"/>
+    </dgm:linClrLst>
+    <dgm:effectClrLst/>
+    <dgm:txLinClrLst/>
+    <dgm:txFillClrLst meth="repeat">
+      <a:schemeClr val="tx1"/>
+    </dgm:txFillClrLst>
+    <dgm:txEffectClrLst/>
+  </dgm:styleLbl>
+  <dgm:styleLbl name="parChTrans1D3">
+    <dgm:fillClrLst meth="repeat">
+      <a:schemeClr val="accent4">
+        <a:tint val="70000"/>
+      </a:schemeClr>
+    </dgm:fillClrLst>
+    <dgm:linClrLst meth="repeat">
+      <a:schemeClr val="accent3"/>
+    </dgm:linClrLst>
+    <dgm:effectClrLst/>
+    <dgm:txLinClrLst/>
+    <dgm:txFillClrLst meth="repeat">
+      <a:schemeClr val="tx1"/>
+    </dgm:txFillClrLst>
+    <dgm:txEffectClrLst/>
+  </dgm:styleLbl>
+  <dgm:styleLbl name="parChTrans1D4">
+    <dgm:fillClrLst meth="repeat">
+      <a:schemeClr val="accent5">
+        <a:tint val="50000"/>
+      </a:schemeClr>
+    </dgm:fillClrLst>
+    <dgm:linClrLst meth="repeat">
+      <a:schemeClr val="accent4"/>
+    </dgm:linClrLst>
+    <dgm:effectClrLst/>
+    <dgm:txLinClrLst/>
+    <dgm:txFillClrLst meth="repeat">
+      <a:schemeClr val="tx1"/>
+    </dgm:txFillClrLst>
+    <dgm:txEffectClrLst/>
+  </dgm:styleLbl>
+  <dgm:styleLbl name="fgAcc1">
+    <dgm:fillClrLst meth="repeat">
+      <a:schemeClr val="lt1">
+        <a:alpha val="90000"/>
+      </a:schemeClr>
+    </dgm:fillClrLst>
+    <dgm:linClrLst meth="repeat">
+      <a:schemeClr val="accent2"/>
+      <a:schemeClr val="accent3"/>
+      <a:schemeClr val="accent4"/>
+      <a:schemeClr val="accent5"/>
+      <a:schemeClr val="accent6"/>
+    </dgm:linClrLst>
+    <dgm:effectClrLst/>
+    <dgm:txLinClrLst/>
+    <dgm:txFillClrLst meth="repeat">
+      <a:schemeClr val="dk1"/>
+    </dgm:txFillClrLst>
+    <dgm:txEffectClrLst/>
+  </dgm:styleLbl>
+  <dgm:styleLbl name="conFgAcc1">
+    <dgm:fillClrLst meth="repeat">
+      <a:schemeClr val="lt1">
+        <a:alpha val="90000"/>
+      </a:schemeClr>
+    </dgm:fillClrLst>
+    <dgm:linClrLst meth="repeat">
+      <a:schemeClr val="accent2"/>
+      <a:schemeClr val="accent3"/>
+      <a:schemeClr val="accent4"/>
+      <a:schemeClr val="accent5"/>
+      <a:schemeClr val="accent6"/>
+    </dgm:linClrLst>
+    <dgm:effectClrLst/>
+    <dgm:txLinClrLst/>
+    <dgm:txFillClrLst meth="repeat">
+      <a:schemeClr val="dk1"/>
+    </dgm:txFillClrLst>
+    <dgm:txEffectClrLst/>
+  </dgm:styleLbl>
+  <dgm:styleLbl name="alignAcc1">
+    <dgm:fillClrLst meth="repeat">
+      <a:schemeClr val="lt1">
+        <a:alpha val="90000"/>
+      </a:schemeClr>
+    </dgm:fillClrLst>
+    <dgm:linClrLst meth="repeat">
+      <a:schemeClr val="accent2"/>
+      <a:schemeClr val="accent3"/>
+      <a:schemeClr val="accent4"/>
+      <a:schemeClr val="accent5"/>
+      <a:schemeClr val="accent6"/>
+    </dgm:linClrLst>
+    <dgm:effectClrLst/>
+    <dgm:txLinClrLst/>
+    <dgm:txFillClrLst meth="repeat">
+      <a:schemeClr val="dk1"/>
+    </dgm:txFillClrLst>
+    <dgm:txEffectClrLst/>
+  </dgm:styleLbl>
+  <dgm:styleLbl name="trAlignAcc1">
+    <dgm:fillClrLst meth="repeat">
+      <a:schemeClr val="lt1">
+        <a:alpha val="40000"/>
+      </a:schemeClr>
+    </dgm:fillClrLst>
+    <dgm:linClrLst meth="repeat">
+      <a:schemeClr val="accent1"/>
+    </dgm:linClrLst>
+    <dgm:effectClrLst/>
+    <dgm:txLinClrLst/>
+    <dgm:txFillClrLst meth="repeat">
+      <a:schemeClr val="dk1"/>
+    </dgm:txFillClrLst>
+    <dgm:txEffectClrLst/>
+  </dgm:styleLbl>
+  <dgm:styleLbl name="bgAcc1">
+    <dgm:fillClrLst meth="repeat">
+      <a:schemeClr val="lt1">
+        <a:alpha val="90000"/>
+      </a:schemeClr>
+    </dgm:fillClrLst>
+    <dgm:linClrLst meth="repeat">
+      <a:schemeClr val="accent2"/>
+      <a:schemeClr val="accent3"/>
+      <a:schemeClr val="accent4"/>
+      <a:schemeClr val="accent5"/>
+      <a:schemeClr val="accent6"/>
+    </dgm:linClrLst>
+    <dgm:effectClrLst/>
+    <dgm:txLinClrLst/>
+    <dgm:txFillClrLst meth="repeat">
+      <a:schemeClr val="dk1"/>
+    </dgm:txFillClrLst>
+    <dgm:txEffectClrLst/>
+  </dgm:styleLbl>
+  <dgm:styleLbl name="solidFgAcc1">
+    <dgm:fillClrLst meth="repeat">
+      <a:schemeClr val="lt1"/>
+    </dgm:fillClrLst>
+    <dgm:linClrLst meth="repeat">
+      <a:schemeClr val="accent2"/>
+      <a:schemeClr val="accent3"/>
+      <a:schemeClr val="accent4"/>
+      <a:schemeClr val="accent5"/>
+      <a:schemeClr val="accent6"/>
+    </dgm:linClrLst>
+    <dgm:effectClrLst/>
+    <dgm:txLinClrLst/>
+    <dgm:txFillClrLst meth="repeat">
+      <a:schemeClr val="dk1"/>
+    </dgm:txFillClrLst>
+    <dgm:txEffectClrLst/>
+  </dgm:styleLbl>
+  <dgm:styleLbl name="solidAlignAcc1">
+    <dgm:fillClrLst meth="repeat">
+      <a:schemeClr val="lt1"/>
+    </dgm:fillClrLst>
+    <dgm:linClrLst meth="repeat">
+      <a:schemeClr val="accent2"/>
+      <a:schemeClr val="accent3"/>
+      <a:schemeClr val="accent4"/>
+      <a:schemeClr val="accent5"/>
+      <a:schemeClr val="accent6"/>
+    </dgm:linClrLst>
+    <dgm:effectClrLst/>
+    <dgm:txLinClrLst/>
+    <dgm:txFillClrLst meth="repeat">
+      <a:schemeClr val="dk1"/>
+    </dgm:txFillClrLst>
+    <dgm:txEffectClrLst/>
+  </dgm:styleLbl>
+  <dgm:styleLbl name="solidBgAcc1">
+    <dgm:fillClrLst meth="repeat">
+      <a:schemeClr val="lt1"/>
+    </dgm:fillClrLst>
+    <dgm:linClrLst meth="repeat">
+      <a:schemeClr val="accent2"/>
+      <a:schemeClr val="accent3"/>
+      <a:schemeClr val="accent4"/>
+      <a:schemeClr val="accent5"/>
+      <a:schemeClr val="accent6"/>
+    </dgm:linClrLst>
+    <dgm:effectClrLst/>
+    <dgm:txLinClrLst/>
+    <dgm:txFillClrLst meth="repeat">
+      <a:schemeClr val="dk1"/>
+    </dgm:txFillClrLst>
+    <dgm:txEffectClrLst/>
+  </dgm:styleLbl>
+  <dgm:styleLbl name="fgAccFollowNode1">
+    <dgm:fillClrLst meth="repeat">
+      <a:schemeClr val="accent2">
+        <a:tint val="40000"/>
+        <a:alpha val="90000"/>
+      </a:schemeClr>
+      <a:schemeClr val="accent3">
+        <a:tint val="40000"/>
+        <a:alpha val="90000"/>
+      </a:schemeClr>
+      <a:schemeClr val="accent4">
+        <a:tint val="40000"/>
+        <a:alpha val="90000"/>
+      </a:schemeClr>
+      <a:schemeClr val="accent5">
+        <a:tint val="40000"/>
+        <a:alpha val="90000"/>
+      </a:schemeClr>
+      <a:schemeClr val="accent6">
+        <a:tint val="40000"/>
+        <a:alpha val="90000"/>
+      </a:schemeClr>
+    </dgm:fillClrLst>
+    <dgm:linClrLst meth="repeat">
+      <a:schemeClr val="accent2">
+        <a:tint val="40000"/>
+        <a:alpha val="90000"/>
+      </a:schemeClr>
+      <a:schemeClr val="accent3">
+        <a:tint val="40000"/>
+        <a:alpha val="90000"/>
+      </a:schemeClr>
+      <a:schemeClr val="accent4">
+        <a:tint val="40000"/>
+        <a:alpha val="90000"/>
+      </a:schemeClr>
+      <a:schemeClr val="accent5">
+        <a:tint val="40000"/>
+        <a:alpha val="90000"/>
+      </a:schemeClr>
+      <a:schemeClr val="accent6">
+        <a:tint val="40000"/>
+        <a:alpha val="90000"/>
+      </a:schemeClr>
+    </dgm:linClrLst>
+    <dgm:effectClrLst/>
+    <dgm:txLinClrLst/>
+    <dgm:txFillClrLst meth="repeat">
+      <a:schemeClr val="dk1"/>
+    </dgm:txFillClrLst>
+    <dgm:txEffectClrLst/>
+  </dgm:styleLbl>
+  <dgm:styleLbl name="alignAccFollowNode1">
+    <dgm:fillClrLst meth="repeat">
+      <a:schemeClr val="accent2">
+        <a:tint val="40000"/>
+        <a:alpha val="90000"/>
+      </a:schemeClr>
+      <a:schemeClr val="accent3">
+        <a:tint val="40000"/>
+        <a:alpha val="90000"/>
+      </a:schemeClr>
+      <a:schemeClr val="accent4">
+        <a:tint val="40000"/>
+        <a:alpha val="90000"/>
+      </a:schemeClr>
+      <a:schemeClr val="accent5">
+        <a:tint val="40000"/>
+        <a:alpha val="90000"/>
+      </a:schemeClr>
+      <a:schemeClr val="accent6">
+        <a:tint val="40000"/>
+        <a:alpha val="90000"/>
+      </a:schemeClr>
+    </dgm:fillClrLst>
+    <dgm:linClrLst meth="repeat">
+      <a:schemeClr val="accent2">
+        <a:tint val="40000"/>
+        <a:alpha val="90000"/>
+      </a:schemeClr>
+      <a:schemeClr val="accent3">
+        <a:tint val="40000"/>
+        <a:alpha val="90000"/>
+      </a:schemeClr>
+      <a:schemeClr val="accent4">
+        <a:tint val="40000"/>
+        <a:alpha val="90000"/>
+      </a:schemeClr>
+      <a:schemeClr val="accent5">
+        <a:tint val="40000"/>
+        <a:alpha val="90000"/>
+      </a:schemeClr>
+      <a:schemeClr val="accent6">
+        <a:tint val="40000"/>
+        <a:alpha val="90000"/>
+      </a:schemeClr>
+    </dgm:linClrLst>
+    <dgm:effectClrLst/>
+    <dgm:txLinClrLst/>
+    <dgm:txFillClrLst meth="repeat">
+      <a:schemeClr val="dk1"/>
+    </dgm:txFillClrLst>
+    <dgm:txEffectClrLst/>
+  </dgm:styleLbl>
+  <dgm:styleLbl name="bgAccFollowNode1">
+    <dgm:fillClrLst meth="repeat">
+      <a:schemeClr val="accent2">
+        <a:tint val="40000"/>
+        <a:alpha val="90000"/>
+      </a:schemeClr>
+      <a:schemeClr val="accent3">
+        <a:tint val="40000"/>
+        <a:alpha val="90000"/>
+      </a:schemeClr>
+      <a:schemeClr val="accent4">
+        <a:tint val="40000"/>
+        <a:alpha val="90000"/>
+      </a:schemeClr>
+      <a:schemeClr val="accent5">
+        <a:tint val="40000"/>
+        <a:alpha val="90000"/>
+      </a:schemeClr>
+      <a:schemeClr val="accent6">
+        <a:tint val="40000"/>
+        <a:alpha val="90000"/>
+      </a:schemeClr>
+    </dgm:fillClrLst>
+    <dgm:linClrLst meth="repeat">
+      <a:schemeClr val="accent2">
+        <a:tint val="40000"/>
+        <a:alpha val="90000"/>
+      </a:schemeClr>
+      <a:schemeClr val="accent3">
+        <a:tint val="40000"/>
+        <a:alpha val="90000"/>
+      </a:schemeClr>
+      <a:schemeClr val="accent4">
+        <a:tint val="40000"/>
+        <a:alpha val="90000"/>
+      </a:schemeClr>
+      <a:schemeClr val="accent5">
+        <a:tint val="40000"/>
+        <a:alpha val="90000"/>
+      </a:schemeClr>
+      <a:schemeClr val="accent6">
+        <a:tint val="40000"/>
+        <a:alpha val="90000"/>
+      </a:schemeClr>
+    </dgm:linClrLst>
+    <dgm:effectClrLst/>
+    <dgm:txLinClrLst/>
+    <dgm:txFillClrLst meth="repeat">
+      <a:schemeClr val="dk1"/>
+    </dgm:txFillClrLst>
+    <dgm:txEffectClrLst/>
+  </dgm:styleLbl>
+  <dgm:styleLbl name="fgAcc0">
+    <dgm:fillClrLst meth="repeat">
+      <a:schemeClr val="lt1">
+        <a:alpha val="90000"/>
+      </a:schemeClr>
+    </dgm:fillClrLst>
+    <dgm:linClrLst>
+      <a:schemeClr val="accent1"/>
+    </dgm:linClrLst>
+    <dgm:effectClrLst/>
+    <dgm:txLinClrLst/>
+    <dgm:txFillClrLst meth="repeat">
+      <a:schemeClr val="dk1"/>
+    </dgm:txFillClrLst>
+    <dgm:txEffectClrLst/>
+  </dgm:styleLbl>
+  <dgm:styleLbl name="fgAcc2">
+    <dgm:fillClrLst meth="repeat">
+      <a:schemeClr val="lt1">
+        <a:alpha val="90000"/>
+      </a:schemeClr>
+    </dgm:fillClrLst>
+    <dgm:linClrLst>
+      <a:schemeClr val="accent2"/>
+    </dgm:linClrLst>
+    <dgm:effectClrLst/>
+    <dgm:txLinClrLst/>
+    <dgm:txFillClrLst meth="repeat">
+      <a:schemeClr val="dk1"/>
+    </dgm:txFillClrLst>
+    <dgm:txEffectClrLst/>
+  </dgm:styleLbl>
+  <dgm:styleLbl name="fgAcc3">
+    <dgm:fillClrLst meth="repeat">
+      <a:schemeClr val="lt1">
+        <a:alpha val="90000"/>
+      </a:schemeClr>
+    </dgm:fillClrLst>
+    <dgm:linClrLst>
+      <a:schemeClr val="accent3"/>
+    </dgm:linClrLst>
+    <dgm:effectClrLst/>
+    <dgm:txLinClrLst/>
+    <dgm:txFillClrLst meth="repeat">
+      <a:schemeClr val="dk1"/>
+    </dgm:txFillClrLst>
+    <dgm:txEffectClrLst/>
+  </dgm:styleLbl>
+  <dgm:styleLbl name="fgAcc4">
+    <dgm:fillClrLst meth="repeat">
+      <a:schemeClr val="lt1">
+        <a:alpha val="90000"/>
+      </a:schemeClr>
+    </dgm:fillClrLst>
+    <dgm:linClrLst>
+      <a:schemeClr val="accent4"/>
+    </dgm:linClrLst>
+    <dgm:effectClrLst/>
+    <dgm:txLinClrLst/>
+    <dgm:txFillClrLst meth="repeat">
+      <a:schemeClr val="dk1"/>
+    </dgm:txFillClrLst>
+    <dgm:txEffectClrLst/>
+  </dgm:styleLbl>
+  <dgm:styleLbl name="bgShp">
+    <dgm:fillClrLst meth="repeat">
+      <a:schemeClr val="accent2">
+        <a:tint val="40000"/>
+      </a:schemeClr>
+    </dgm:fillClrLst>
+    <dgm:linClrLst meth="repeat">
+      <a:schemeClr val="dk1"/>
+    </dgm:linClrLst>
+    <dgm:effectClrLst/>
+    <dgm:txLinClrLst/>
+    <dgm:txFillClrLst meth="repeat">
+      <a:schemeClr val="dk1"/>
+    </dgm:txFillClrLst>
+    <dgm:txEffectClrLst/>
+  </dgm:styleLbl>
+  <dgm:styleLbl name="dkBgShp">
+    <dgm:fillClrLst meth="repeat">
+      <a:schemeClr val="accent2">
+        <a:shade val="90000"/>
+      </a:schemeClr>
+    </dgm:fillClrLst>
+    <dgm:linClrLst meth="repeat">
+      <a:schemeClr val="dk1"/>
+    </dgm:linClrLst>
+    <dgm:effectClrLst/>
+    <dgm:txLinClrLst/>
+    <dgm:txFillClrLst meth="repeat">
+      <a:schemeClr val="lt1"/>
+    </dgm:txFillClrLst>
+    <dgm:txEffectClrLst/>
+  </dgm:styleLbl>
+  <dgm:styleLbl name="trBgShp">
+    <dgm:fillClrLst meth="repeat">
+      <a:schemeClr val="accent1">
+        <a:tint val="50000"/>
+        <a:alpha val="40000"/>
+      </a:schemeClr>
+    </dgm:fillClrLst>
+    <dgm:linClrLst meth="repeat">
+      <a:schemeClr val="accent2"/>
+    </dgm:linClrLst>
+    <dgm:effectClrLst/>
+    <dgm:txLinClrLst/>
+    <dgm:txFillClrLst meth="repeat">
+      <a:schemeClr val="lt1"/>
+    </dgm:txFillClrLst>
+    <dgm:txEffectClrLst/>
+  </dgm:styleLbl>
+  <dgm:styleLbl name="fgShp">
+    <dgm:fillClrLst meth="repeat">
+      <a:schemeClr val="accent2">
+        <a:tint val="40000"/>
+      </a:schemeClr>
+    </dgm:fillClrLst>
+    <dgm:linClrLst meth="repeat">
+      <a:schemeClr val="lt1"/>
+    </dgm:linClrLst>
+    <dgm:effectClrLst/>
+    <dgm:txLinClrLst/>
+    <dgm:txFillClrLst meth="repeat">
+      <a:schemeClr val="dk1"/>
+    </dgm:txFillClrLst>
+    <dgm:txEffectClrLst/>
+  </dgm:styleLbl>
+  <dgm:styleLbl name="revTx">
+    <dgm:fillClrLst meth="repeat">
+      <a:schemeClr val="lt1">
+        <a:alpha val="0"/>
+      </a:schemeClr>
+    </dgm:fillClrLst>
+    <dgm:linClrLst meth="repeat">
+      <a:schemeClr val="dk1">
+        <a:alpha val="0"/>
+      </a:schemeClr>
+    </dgm:linClrLst>
+    <dgm:effectClrLst/>
+    <dgm:txLinClrLst/>
+    <dgm:txFillClrLst meth="repeat">
+      <a:schemeClr val="tx1"/>
+    </dgm:txFillClrLst>
+    <dgm:txEffectClrLst/>
+  </dgm:styleLbl>
+</dgm:colorsDef>
+</file>
+
+<file path=ppt/diagrams/data1.xml><?xml version="1.0" encoding="utf-8"?>
+<dgm:dataModel xmlns:dgm="http://schemas.openxmlformats.org/drawingml/2006/diagram" xmlns:a="http://schemas.openxmlformats.org/drawingml/2006/main">
+  <dgm:ptLst>
+    <dgm:pt modelId="{45F7DAB1-2699-4D68-999D-1B804C441C8F}" type="doc">
+      <dgm:prSet loTypeId="urn:microsoft.com/office/officeart/2005/8/layout/hProcess11" loCatId="process" qsTypeId="urn:microsoft.com/office/officeart/2005/8/quickstyle/simple1" qsCatId="simple" csTypeId="urn:microsoft.com/office/officeart/2005/8/colors/colorful1" csCatId="colorful" phldr="1"/>
+      <dgm:spPr/>
+    </dgm:pt>
+    <dgm:pt modelId="{5AA78640-01DE-4DA6-8CEA-7C2C870E7821}">
+      <dgm:prSet phldrT="[Text]" custT="1"/>
+      <dgm:spPr/>
+      <dgm:t>
+        <a:bodyPr/>
+        <a:lstStyle/>
+        <a:p>
+          <a:r>
+            <a:rPr lang="en-GB" sz="2800" b="1" dirty="0"/>
+            <a:t>First semester</a:t>
+          </a:r>
+        </a:p>
+      </dgm:t>
+    </dgm:pt>
+    <dgm:pt modelId="{72E1459D-F585-4F8D-9291-9B7DB1C43B61}" type="parTrans" cxnId="{A87983F4-2927-4F0B-9E0C-B8DCFA0A4B46}">
+      <dgm:prSet/>
+      <dgm:spPr/>
+      <dgm:t>
+        <a:bodyPr/>
+        <a:lstStyle/>
+        <a:p>
+          <a:endParaRPr lang="en-GB"/>
+        </a:p>
+      </dgm:t>
+    </dgm:pt>
+    <dgm:pt modelId="{2F8C2C87-C071-4646-AC32-D984F5A17830}" type="sibTrans" cxnId="{A87983F4-2927-4F0B-9E0C-B8DCFA0A4B46}">
+      <dgm:prSet/>
+      <dgm:spPr/>
+      <dgm:t>
+        <a:bodyPr/>
+        <a:lstStyle/>
+        <a:p>
+          <a:endParaRPr lang="en-GB"/>
+        </a:p>
+      </dgm:t>
+    </dgm:pt>
+    <dgm:pt modelId="{E4493ED5-91F4-40F9-87B6-B7803B96D300}">
+      <dgm:prSet phldrT="[Text]" custT="1"/>
+      <dgm:spPr/>
+      <dgm:t>
+        <a:bodyPr/>
+        <a:lstStyle/>
+        <a:p>
+          <a:r>
+            <a:rPr lang="en-GB" sz="2800" b="1" dirty="0"/>
+            <a:t>Second semester</a:t>
+          </a:r>
+        </a:p>
+      </dgm:t>
+    </dgm:pt>
+    <dgm:pt modelId="{9F491AAC-6C50-4648-BC7C-40053362735B}" type="parTrans" cxnId="{6D038397-4855-4607-8CAF-130309CC8962}">
+      <dgm:prSet/>
+      <dgm:spPr/>
+      <dgm:t>
+        <a:bodyPr/>
+        <a:lstStyle/>
+        <a:p>
+          <a:endParaRPr lang="en-GB"/>
+        </a:p>
+      </dgm:t>
+    </dgm:pt>
+    <dgm:pt modelId="{D22B8C8D-8D34-490D-AF16-0AB20C186EA6}" type="sibTrans" cxnId="{6D038397-4855-4607-8CAF-130309CC8962}">
+      <dgm:prSet/>
+      <dgm:spPr/>
+      <dgm:t>
+        <a:bodyPr/>
+        <a:lstStyle/>
+        <a:p>
+          <a:endParaRPr lang="en-GB"/>
+        </a:p>
+      </dgm:t>
+    </dgm:pt>
+    <dgm:pt modelId="{838E4147-25A8-42B3-A104-899A9FC00D97}">
+      <dgm:prSet phldrT="[Text]" custT="1"/>
+      <dgm:spPr/>
+      <dgm:t>
+        <a:bodyPr/>
+        <a:lstStyle/>
+        <a:p>
+          <a:r>
+            <a:rPr lang="en-GB" sz="2000" dirty="0"/>
+            <a:t>Exploratory data analysis</a:t>
+          </a:r>
+        </a:p>
+      </dgm:t>
+    </dgm:pt>
+    <dgm:pt modelId="{1A250BE3-D781-460B-B220-6FE8D58860A0}" type="parTrans" cxnId="{D78F8D3A-31B4-464D-9A41-C2B8E1983C9A}">
+      <dgm:prSet/>
+      <dgm:spPr/>
+      <dgm:t>
+        <a:bodyPr/>
+        <a:lstStyle/>
+        <a:p>
+          <a:endParaRPr lang="en-GB"/>
+        </a:p>
+      </dgm:t>
+    </dgm:pt>
+    <dgm:pt modelId="{2CD80877-32F7-41F6-9B34-CB7D4635B546}" type="sibTrans" cxnId="{D78F8D3A-31B4-464D-9A41-C2B8E1983C9A}">
+      <dgm:prSet/>
+      <dgm:spPr/>
+      <dgm:t>
+        <a:bodyPr/>
+        <a:lstStyle/>
+        <a:p>
+          <a:endParaRPr lang="en-GB"/>
+        </a:p>
+      </dgm:t>
+    </dgm:pt>
+    <dgm:pt modelId="{79330893-C155-49B8-9D0B-2C10B52F9638}">
+      <dgm:prSet phldrT="[Text]" custT="1"/>
+      <dgm:spPr/>
+      <dgm:t>
+        <a:bodyPr/>
+        <a:lstStyle/>
+        <a:p>
+          <a:r>
+            <a:rPr lang="en-GB" sz="2000" dirty="0"/>
+            <a:t>Literature review</a:t>
+          </a:r>
+        </a:p>
+      </dgm:t>
+    </dgm:pt>
+    <dgm:pt modelId="{4A9E13D8-2594-4F7D-8E00-FE01D4073A67}" type="parTrans" cxnId="{C3E69E8F-30A1-4023-B01F-06B62F42F706}">
+      <dgm:prSet/>
+      <dgm:spPr/>
+      <dgm:t>
+        <a:bodyPr/>
+        <a:lstStyle/>
+        <a:p>
+          <a:endParaRPr lang="en-GB"/>
+        </a:p>
+      </dgm:t>
+    </dgm:pt>
+    <dgm:pt modelId="{30D4D63F-FF3C-4A34-86DA-CD3FDDF98D96}" type="sibTrans" cxnId="{C3E69E8F-30A1-4023-B01F-06B62F42F706}">
+      <dgm:prSet/>
+      <dgm:spPr/>
+      <dgm:t>
+        <a:bodyPr/>
+        <a:lstStyle/>
+        <a:p>
+          <a:endParaRPr lang="en-GB"/>
+        </a:p>
+      </dgm:t>
+    </dgm:pt>
+    <dgm:pt modelId="{73278C08-9F44-4A81-92A3-3788F8F3D3F1}">
+      <dgm:prSet phldrT="[Text]" custT="1"/>
+      <dgm:spPr/>
+      <dgm:t>
+        <a:bodyPr/>
+        <a:lstStyle/>
+        <a:p>
+          <a:r>
+            <a:rPr lang="en-GB" sz="2000" dirty="0"/>
+            <a:t>Getting familiar with software</a:t>
+          </a:r>
+        </a:p>
+      </dgm:t>
+    </dgm:pt>
+    <dgm:pt modelId="{D99EA68D-08EF-40F4-97C2-2AF116D628E7}" type="parTrans" cxnId="{CA52BD89-023F-4F80-B458-B4B44556582C}">
+      <dgm:prSet/>
+      <dgm:spPr/>
+      <dgm:t>
+        <a:bodyPr/>
+        <a:lstStyle/>
+        <a:p>
+          <a:endParaRPr lang="en-GB"/>
+        </a:p>
+      </dgm:t>
+    </dgm:pt>
+    <dgm:pt modelId="{C3F33EC7-121F-43D2-AA71-AAB653A7621A}" type="sibTrans" cxnId="{CA52BD89-023F-4F80-B458-B4B44556582C}">
+      <dgm:prSet/>
+      <dgm:spPr/>
+      <dgm:t>
+        <a:bodyPr/>
+        <a:lstStyle/>
+        <a:p>
+          <a:endParaRPr lang="en-GB"/>
+        </a:p>
+      </dgm:t>
+    </dgm:pt>
+    <dgm:pt modelId="{A5C30E55-1FAA-4A8C-82E1-35F364242D3B}">
+      <dgm:prSet phldrT="[Text]" custT="1"/>
+      <dgm:spPr/>
+      <dgm:t>
+        <a:bodyPr/>
+        <a:lstStyle/>
+        <a:p>
+          <a:r>
+            <a:rPr lang="en-GB" sz="2000" dirty="0"/>
+            <a:t>Baseline models</a:t>
+          </a:r>
+        </a:p>
+      </dgm:t>
+    </dgm:pt>
+    <dgm:pt modelId="{17B611B4-D859-45D0-B76E-2B4F71FD3383}" type="parTrans" cxnId="{061D7811-C08B-44C6-B12F-F34809D373E6}">
+      <dgm:prSet/>
+      <dgm:spPr/>
+      <dgm:t>
+        <a:bodyPr/>
+        <a:lstStyle/>
+        <a:p>
+          <a:endParaRPr lang="en-GB"/>
+        </a:p>
+      </dgm:t>
+    </dgm:pt>
+    <dgm:pt modelId="{A46383CA-7C8A-43A1-9D16-7CE3FEC38A9C}" type="sibTrans" cxnId="{061D7811-C08B-44C6-B12F-F34809D373E6}">
+      <dgm:prSet/>
+      <dgm:spPr/>
+      <dgm:t>
+        <a:bodyPr/>
+        <a:lstStyle/>
+        <a:p>
+          <a:endParaRPr lang="en-GB"/>
+        </a:p>
+      </dgm:t>
+    </dgm:pt>
+    <dgm:pt modelId="{FE7936B7-1242-42AD-8795-681459AB3625}">
+      <dgm:prSet phldrT="[Text]" custT="1"/>
+      <dgm:spPr/>
+      <dgm:t>
+        <a:bodyPr/>
+        <a:lstStyle/>
+        <a:p>
+          <a:r>
+            <a:rPr lang="en-GB" sz="2000" dirty="0"/>
+            <a:t>LSTM models</a:t>
+          </a:r>
+        </a:p>
+      </dgm:t>
+    </dgm:pt>
+    <dgm:pt modelId="{81365B51-30D8-4CC9-8C38-C7197684E08D}" type="parTrans" cxnId="{8EF91A2C-E0C6-4768-BAA5-B29EF3626678}">
+      <dgm:prSet/>
+      <dgm:spPr/>
+      <dgm:t>
+        <a:bodyPr/>
+        <a:lstStyle/>
+        <a:p>
+          <a:endParaRPr lang="en-GB"/>
+        </a:p>
+      </dgm:t>
+    </dgm:pt>
+    <dgm:pt modelId="{30291658-17FF-4EA2-B632-AB34DE692D08}" type="sibTrans" cxnId="{8EF91A2C-E0C6-4768-BAA5-B29EF3626678}">
+      <dgm:prSet/>
+      <dgm:spPr/>
+      <dgm:t>
+        <a:bodyPr/>
+        <a:lstStyle/>
+        <a:p>
+          <a:endParaRPr lang="en-GB"/>
+        </a:p>
+      </dgm:t>
+    </dgm:pt>
+    <dgm:pt modelId="{ED391660-3577-4F34-9F0E-18DC62444DA9}">
+      <dgm:prSet phldrT="[Text]" custT="1"/>
+      <dgm:spPr/>
+      <dgm:t>
+        <a:bodyPr/>
+        <a:lstStyle/>
+        <a:p>
+          <a:r>
+            <a:rPr lang="en-GB" sz="2000" dirty="0"/>
+            <a:t>Writing thesis</a:t>
+          </a:r>
+        </a:p>
+      </dgm:t>
+    </dgm:pt>
+    <dgm:pt modelId="{CA86CAA2-9207-4A42-BF63-D2455D958A2C}" type="parTrans" cxnId="{8B92B40A-4594-442C-A4E3-6B0593112C99}">
+      <dgm:prSet/>
+      <dgm:spPr/>
+      <dgm:t>
+        <a:bodyPr/>
+        <a:lstStyle/>
+        <a:p>
+          <a:endParaRPr lang="en-GB"/>
+        </a:p>
+      </dgm:t>
+    </dgm:pt>
+    <dgm:pt modelId="{2A35DB80-7B31-4D95-BD1E-D42F8CA733EA}" type="sibTrans" cxnId="{8B92B40A-4594-442C-A4E3-6B0593112C99}">
+      <dgm:prSet/>
+      <dgm:spPr/>
+      <dgm:t>
+        <a:bodyPr/>
+        <a:lstStyle/>
+        <a:p>
+          <a:endParaRPr lang="en-GB"/>
+        </a:p>
+      </dgm:t>
+    </dgm:pt>
+    <dgm:pt modelId="{7D8B54F4-1089-4533-89B3-E6793B2ED69D}">
+      <dgm:prSet phldrT="[Text]" custT="1"/>
+      <dgm:spPr/>
+      <dgm:t>
+        <a:bodyPr/>
+        <a:lstStyle/>
+        <a:p>
+          <a:r>
+            <a:rPr lang="en-GB" sz="2000" dirty="0"/>
+            <a:t>Parameter search</a:t>
+          </a:r>
+        </a:p>
+      </dgm:t>
+    </dgm:pt>
+    <dgm:pt modelId="{C9184F5A-24D3-4423-9F05-2B238DEF32C7}" type="parTrans" cxnId="{26D4E1BE-E728-4DB8-BC6C-4A3B1CEA2074}">
+      <dgm:prSet/>
+      <dgm:spPr/>
+      <dgm:t>
+        <a:bodyPr/>
+        <a:lstStyle/>
+        <a:p>
+          <a:endParaRPr lang="en-GB"/>
+        </a:p>
+      </dgm:t>
+    </dgm:pt>
+    <dgm:pt modelId="{A6F1FFD2-7A74-4B06-8415-816E154EAC83}" type="sibTrans" cxnId="{26D4E1BE-E728-4DB8-BC6C-4A3B1CEA2074}">
+      <dgm:prSet/>
+      <dgm:spPr/>
+      <dgm:t>
+        <a:bodyPr/>
+        <a:lstStyle/>
+        <a:p>
+          <a:endParaRPr lang="en-GB"/>
+        </a:p>
+      </dgm:t>
+    </dgm:pt>
+    <dgm:pt modelId="{DBD03022-3009-4605-A248-73B5AF17A786}">
+      <dgm:prSet phldrT="[Text]" custT="1"/>
+      <dgm:spPr/>
+      <dgm:t>
+        <a:bodyPr/>
+        <a:lstStyle/>
+        <a:p>
+          <a:r>
+            <a:rPr lang="en-GB" sz="2000" dirty="0"/>
+            <a:t>Testing</a:t>
+          </a:r>
+        </a:p>
+      </dgm:t>
+    </dgm:pt>
+    <dgm:pt modelId="{7DE826F2-A5A6-4FF7-9075-BB94E58C7684}" type="parTrans" cxnId="{A96D07D5-34A5-4578-A705-6776E5A8148C}">
+      <dgm:prSet/>
+      <dgm:spPr/>
+      <dgm:t>
+        <a:bodyPr/>
+        <a:lstStyle/>
+        <a:p>
+          <a:endParaRPr lang="en-GB"/>
+        </a:p>
+      </dgm:t>
+    </dgm:pt>
+    <dgm:pt modelId="{FF730F8D-1A13-4891-9146-EB70153FDC74}" type="sibTrans" cxnId="{A96D07D5-34A5-4578-A705-6776E5A8148C}">
+      <dgm:prSet/>
+      <dgm:spPr/>
+      <dgm:t>
+        <a:bodyPr/>
+        <a:lstStyle/>
+        <a:p>
+          <a:endParaRPr lang="en-GB"/>
+        </a:p>
+      </dgm:t>
+    </dgm:pt>
+    <dgm:pt modelId="{3E136A80-B635-49FC-B0B3-CDC3352FA973}" type="pres">
+      <dgm:prSet presAssocID="{45F7DAB1-2699-4D68-999D-1B804C441C8F}" presName="Name0" presStyleCnt="0">
+        <dgm:presLayoutVars>
+          <dgm:dir/>
+          <dgm:resizeHandles val="exact"/>
+        </dgm:presLayoutVars>
+      </dgm:prSet>
+      <dgm:spPr/>
+    </dgm:pt>
+    <dgm:pt modelId="{08BBDAE4-2904-4E9A-A1A0-49A68576BC2C}" type="pres">
+      <dgm:prSet presAssocID="{45F7DAB1-2699-4D68-999D-1B804C441C8F}" presName="arrow" presStyleLbl="bgShp" presStyleIdx="0" presStyleCnt="1"/>
+      <dgm:spPr/>
+    </dgm:pt>
+    <dgm:pt modelId="{AB1C8B3E-A3F7-45C2-B497-F1E0A9061C51}" type="pres">
+      <dgm:prSet presAssocID="{45F7DAB1-2699-4D68-999D-1B804C441C8F}" presName="points" presStyleCnt="0"/>
+      <dgm:spPr/>
+    </dgm:pt>
+    <dgm:pt modelId="{7269C63C-6D30-4562-AD8E-2BF75560C341}" type="pres">
+      <dgm:prSet presAssocID="{5AA78640-01DE-4DA6-8CEA-7C2C870E7821}" presName="compositeA" presStyleCnt="0"/>
+      <dgm:spPr/>
+    </dgm:pt>
+    <dgm:pt modelId="{4C225791-FB27-451E-BA27-7C86C480DD7C}" type="pres">
+      <dgm:prSet presAssocID="{5AA78640-01DE-4DA6-8CEA-7C2C870E7821}" presName="textA" presStyleLbl="revTx" presStyleIdx="0" presStyleCnt="2">
+        <dgm:presLayoutVars>
+          <dgm:bulletEnabled val="1"/>
+        </dgm:presLayoutVars>
+      </dgm:prSet>
+      <dgm:spPr/>
+    </dgm:pt>
+    <dgm:pt modelId="{E86FFDB5-8416-4394-B100-A8A43C89AE47}" type="pres">
+      <dgm:prSet presAssocID="{5AA78640-01DE-4DA6-8CEA-7C2C870E7821}" presName="circleA" presStyleLbl="node1" presStyleIdx="0" presStyleCnt="2"/>
+      <dgm:spPr/>
+    </dgm:pt>
+    <dgm:pt modelId="{CDA87648-F1DB-4857-9C02-228CAC1E1EF3}" type="pres">
+      <dgm:prSet presAssocID="{5AA78640-01DE-4DA6-8CEA-7C2C870E7821}" presName="spaceA" presStyleCnt="0"/>
+      <dgm:spPr/>
+    </dgm:pt>
+    <dgm:pt modelId="{7F655380-0CA8-47AC-B31B-EF00D017B409}" type="pres">
+      <dgm:prSet presAssocID="{2F8C2C87-C071-4646-AC32-D984F5A17830}" presName="space" presStyleCnt="0"/>
+      <dgm:spPr/>
+    </dgm:pt>
+    <dgm:pt modelId="{F7AC004D-5254-4D1A-833D-7DEA79A6658C}" type="pres">
+      <dgm:prSet presAssocID="{E4493ED5-91F4-40F9-87B6-B7803B96D300}" presName="compositeB" presStyleCnt="0"/>
+      <dgm:spPr/>
+    </dgm:pt>
+    <dgm:pt modelId="{CC307C75-08A7-4C5C-9A44-F72611CD33D9}" type="pres">
+      <dgm:prSet presAssocID="{E4493ED5-91F4-40F9-87B6-B7803B96D300}" presName="textB" presStyleLbl="revTx" presStyleIdx="1" presStyleCnt="2">
+        <dgm:presLayoutVars>
+          <dgm:bulletEnabled val="1"/>
+        </dgm:presLayoutVars>
+      </dgm:prSet>
+      <dgm:spPr/>
+    </dgm:pt>
+    <dgm:pt modelId="{0E6CCF4E-7102-436C-8CF5-700470350443}" type="pres">
+      <dgm:prSet presAssocID="{E4493ED5-91F4-40F9-87B6-B7803B96D300}" presName="circleB" presStyleLbl="node1" presStyleIdx="1" presStyleCnt="2"/>
+      <dgm:spPr/>
+    </dgm:pt>
+    <dgm:pt modelId="{591950FD-3AAE-46DF-943E-8CC4312D830A}" type="pres">
+      <dgm:prSet presAssocID="{E4493ED5-91F4-40F9-87B6-B7803B96D300}" presName="spaceB" presStyleCnt="0"/>
+      <dgm:spPr/>
+    </dgm:pt>
+  </dgm:ptLst>
+  <dgm:cxnLst>
+    <dgm:cxn modelId="{00A44209-0E63-4B94-9EFF-CAEEAAC54DE5}" type="presOf" srcId="{5AA78640-01DE-4DA6-8CEA-7C2C870E7821}" destId="{4C225791-FB27-451E-BA27-7C86C480DD7C}" srcOrd="0" destOrd="0" presId="urn:microsoft.com/office/officeart/2005/8/layout/hProcess11"/>
+    <dgm:cxn modelId="{8B92B40A-4594-442C-A4E3-6B0593112C99}" srcId="{E4493ED5-91F4-40F9-87B6-B7803B96D300}" destId="{ED391660-3577-4F34-9F0E-18DC62444DA9}" srcOrd="4" destOrd="0" parTransId="{CA86CAA2-9207-4A42-BF63-D2455D958A2C}" sibTransId="{2A35DB80-7B31-4D95-BD1E-D42F8CA733EA}"/>
+    <dgm:cxn modelId="{061D7811-C08B-44C6-B12F-F34809D373E6}" srcId="{E4493ED5-91F4-40F9-87B6-B7803B96D300}" destId="{A5C30E55-1FAA-4A8C-82E1-35F364242D3B}" srcOrd="0" destOrd="0" parTransId="{17B611B4-D859-45D0-B76E-2B4F71FD3383}" sibTransId="{A46383CA-7C8A-43A1-9D16-7CE3FEC38A9C}"/>
+    <dgm:cxn modelId="{8994D519-D2CD-47CE-982F-935C9E529E7D}" type="presOf" srcId="{DBD03022-3009-4605-A248-73B5AF17A786}" destId="{CC307C75-08A7-4C5C-9A44-F72611CD33D9}" srcOrd="0" destOrd="4" presId="urn:microsoft.com/office/officeart/2005/8/layout/hProcess11"/>
+    <dgm:cxn modelId="{5CA7351B-C823-41C0-9635-F9AFB812B1FB}" type="presOf" srcId="{7D8B54F4-1089-4533-89B3-E6793B2ED69D}" destId="{CC307C75-08A7-4C5C-9A44-F72611CD33D9}" srcOrd="0" destOrd="3" presId="urn:microsoft.com/office/officeart/2005/8/layout/hProcess11"/>
+    <dgm:cxn modelId="{A4F1FF1D-94E0-40D0-9621-EE236248B4FD}" type="presOf" srcId="{ED391660-3577-4F34-9F0E-18DC62444DA9}" destId="{CC307C75-08A7-4C5C-9A44-F72611CD33D9}" srcOrd="0" destOrd="5" presId="urn:microsoft.com/office/officeart/2005/8/layout/hProcess11"/>
+    <dgm:cxn modelId="{8EF91A2C-E0C6-4768-BAA5-B29EF3626678}" srcId="{E4493ED5-91F4-40F9-87B6-B7803B96D300}" destId="{FE7936B7-1242-42AD-8795-681459AB3625}" srcOrd="1" destOrd="0" parTransId="{81365B51-30D8-4CC9-8C38-C7197684E08D}" sibTransId="{30291658-17FF-4EA2-B632-AB34DE692D08}"/>
+    <dgm:cxn modelId="{1A8B422F-C65B-4E0A-A101-B05E91378B9A}" type="presOf" srcId="{838E4147-25A8-42B3-A104-899A9FC00D97}" destId="{4C225791-FB27-451E-BA27-7C86C480DD7C}" srcOrd="0" destOrd="1" presId="urn:microsoft.com/office/officeart/2005/8/layout/hProcess11"/>
+    <dgm:cxn modelId="{D78F8D3A-31B4-464D-9A41-C2B8E1983C9A}" srcId="{5AA78640-01DE-4DA6-8CEA-7C2C870E7821}" destId="{838E4147-25A8-42B3-A104-899A9FC00D97}" srcOrd="0" destOrd="0" parTransId="{1A250BE3-D781-460B-B220-6FE8D58860A0}" sibTransId="{2CD80877-32F7-41F6-9B34-CB7D4635B546}"/>
+    <dgm:cxn modelId="{C9C04760-4E7B-4105-A1D5-0D2DADF41134}" type="presOf" srcId="{A5C30E55-1FAA-4A8C-82E1-35F364242D3B}" destId="{CC307C75-08A7-4C5C-9A44-F72611CD33D9}" srcOrd="0" destOrd="1" presId="urn:microsoft.com/office/officeart/2005/8/layout/hProcess11"/>
+    <dgm:cxn modelId="{D4ECC158-B4A6-4417-A558-60DB2D62DA61}" type="presOf" srcId="{45F7DAB1-2699-4D68-999D-1B804C441C8F}" destId="{3E136A80-B635-49FC-B0B3-CDC3352FA973}" srcOrd="0" destOrd="0" presId="urn:microsoft.com/office/officeart/2005/8/layout/hProcess11"/>
+    <dgm:cxn modelId="{CA52BD89-023F-4F80-B458-B4B44556582C}" srcId="{5AA78640-01DE-4DA6-8CEA-7C2C870E7821}" destId="{73278C08-9F44-4A81-92A3-3788F8F3D3F1}" srcOrd="2" destOrd="0" parTransId="{D99EA68D-08EF-40F4-97C2-2AF116D628E7}" sibTransId="{C3F33EC7-121F-43D2-AA71-AAB653A7621A}"/>
+    <dgm:cxn modelId="{C3E69E8F-30A1-4023-B01F-06B62F42F706}" srcId="{5AA78640-01DE-4DA6-8CEA-7C2C870E7821}" destId="{79330893-C155-49B8-9D0B-2C10B52F9638}" srcOrd="1" destOrd="0" parTransId="{4A9E13D8-2594-4F7D-8E00-FE01D4073A67}" sibTransId="{30D4D63F-FF3C-4A34-86DA-CD3FDDF98D96}"/>
+    <dgm:cxn modelId="{6D038397-4855-4607-8CAF-130309CC8962}" srcId="{45F7DAB1-2699-4D68-999D-1B804C441C8F}" destId="{E4493ED5-91F4-40F9-87B6-B7803B96D300}" srcOrd="1" destOrd="0" parTransId="{9F491AAC-6C50-4648-BC7C-40053362735B}" sibTransId="{D22B8C8D-8D34-490D-AF16-0AB20C186EA6}"/>
+    <dgm:cxn modelId="{57AAA2AA-9CA8-4B51-9EA9-51530BDD65C0}" type="presOf" srcId="{FE7936B7-1242-42AD-8795-681459AB3625}" destId="{CC307C75-08A7-4C5C-9A44-F72611CD33D9}" srcOrd="0" destOrd="2" presId="urn:microsoft.com/office/officeart/2005/8/layout/hProcess11"/>
+    <dgm:cxn modelId="{8BBAE0BA-9A28-4B54-8672-427A9E805BFF}" type="presOf" srcId="{E4493ED5-91F4-40F9-87B6-B7803B96D300}" destId="{CC307C75-08A7-4C5C-9A44-F72611CD33D9}" srcOrd="0" destOrd="0" presId="urn:microsoft.com/office/officeart/2005/8/layout/hProcess11"/>
+    <dgm:cxn modelId="{26D4E1BE-E728-4DB8-BC6C-4A3B1CEA2074}" srcId="{E4493ED5-91F4-40F9-87B6-B7803B96D300}" destId="{7D8B54F4-1089-4533-89B3-E6793B2ED69D}" srcOrd="2" destOrd="0" parTransId="{C9184F5A-24D3-4423-9F05-2B238DEF32C7}" sibTransId="{A6F1FFD2-7A74-4B06-8415-816E154EAC83}"/>
+    <dgm:cxn modelId="{A96D07D5-34A5-4578-A705-6776E5A8148C}" srcId="{E4493ED5-91F4-40F9-87B6-B7803B96D300}" destId="{DBD03022-3009-4605-A248-73B5AF17A786}" srcOrd="3" destOrd="0" parTransId="{7DE826F2-A5A6-4FF7-9075-BB94E58C7684}" sibTransId="{FF730F8D-1A13-4891-9146-EB70153FDC74}"/>
+    <dgm:cxn modelId="{A87983F4-2927-4F0B-9E0C-B8DCFA0A4B46}" srcId="{45F7DAB1-2699-4D68-999D-1B804C441C8F}" destId="{5AA78640-01DE-4DA6-8CEA-7C2C870E7821}" srcOrd="0" destOrd="0" parTransId="{72E1459D-F585-4F8D-9291-9B7DB1C43B61}" sibTransId="{2F8C2C87-C071-4646-AC32-D984F5A17830}"/>
+    <dgm:cxn modelId="{00F361FC-E39B-4D1C-8188-BB096D619C8D}" type="presOf" srcId="{79330893-C155-49B8-9D0B-2C10B52F9638}" destId="{4C225791-FB27-451E-BA27-7C86C480DD7C}" srcOrd="0" destOrd="2" presId="urn:microsoft.com/office/officeart/2005/8/layout/hProcess11"/>
+    <dgm:cxn modelId="{B2280CFE-97B1-4681-AB71-6A23E5820632}" type="presOf" srcId="{73278C08-9F44-4A81-92A3-3788F8F3D3F1}" destId="{4C225791-FB27-451E-BA27-7C86C480DD7C}" srcOrd="0" destOrd="3" presId="urn:microsoft.com/office/officeart/2005/8/layout/hProcess11"/>
+    <dgm:cxn modelId="{927A34F7-9F54-45B1-9C78-2397A832E728}" type="presParOf" srcId="{3E136A80-B635-49FC-B0B3-CDC3352FA973}" destId="{08BBDAE4-2904-4E9A-A1A0-49A68576BC2C}" srcOrd="0" destOrd="0" presId="urn:microsoft.com/office/officeart/2005/8/layout/hProcess11"/>
+    <dgm:cxn modelId="{07EBFA04-A1DB-4E32-A365-F1537E004123}" type="presParOf" srcId="{3E136A80-B635-49FC-B0B3-CDC3352FA973}" destId="{AB1C8B3E-A3F7-45C2-B497-F1E0A9061C51}" srcOrd="1" destOrd="0" presId="urn:microsoft.com/office/officeart/2005/8/layout/hProcess11"/>
+    <dgm:cxn modelId="{BC97A1D1-3D42-4407-B835-0E44AC29DB4F}" type="presParOf" srcId="{AB1C8B3E-A3F7-45C2-B497-F1E0A9061C51}" destId="{7269C63C-6D30-4562-AD8E-2BF75560C341}" srcOrd="0" destOrd="0" presId="urn:microsoft.com/office/officeart/2005/8/layout/hProcess11"/>
+    <dgm:cxn modelId="{79F90F76-F4E7-4EB3-9228-2206A45CA09B}" type="presParOf" srcId="{7269C63C-6D30-4562-AD8E-2BF75560C341}" destId="{4C225791-FB27-451E-BA27-7C86C480DD7C}" srcOrd="0" destOrd="0" presId="urn:microsoft.com/office/officeart/2005/8/layout/hProcess11"/>
+    <dgm:cxn modelId="{42C59277-6B4F-4212-80E5-B3F2B16D192A}" type="presParOf" srcId="{7269C63C-6D30-4562-AD8E-2BF75560C341}" destId="{E86FFDB5-8416-4394-B100-A8A43C89AE47}" srcOrd="1" destOrd="0" presId="urn:microsoft.com/office/officeart/2005/8/layout/hProcess11"/>
+    <dgm:cxn modelId="{F3247C9F-7188-4D61-84D0-09252A7F4FD6}" type="presParOf" srcId="{7269C63C-6D30-4562-AD8E-2BF75560C341}" destId="{CDA87648-F1DB-4857-9C02-228CAC1E1EF3}" srcOrd="2" destOrd="0" presId="urn:microsoft.com/office/officeart/2005/8/layout/hProcess11"/>
+    <dgm:cxn modelId="{E063ED97-2D53-4565-BAD1-85D1754ACAC5}" type="presParOf" srcId="{AB1C8B3E-A3F7-45C2-B497-F1E0A9061C51}" destId="{7F655380-0CA8-47AC-B31B-EF00D017B409}" srcOrd="1" destOrd="0" presId="urn:microsoft.com/office/officeart/2005/8/layout/hProcess11"/>
+    <dgm:cxn modelId="{BEB3289D-82E4-4A1D-B167-E33C4A5D0A05}" type="presParOf" srcId="{AB1C8B3E-A3F7-45C2-B497-F1E0A9061C51}" destId="{F7AC004D-5254-4D1A-833D-7DEA79A6658C}" srcOrd="2" destOrd="0" presId="urn:microsoft.com/office/officeart/2005/8/layout/hProcess11"/>
+    <dgm:cxn modelId="{2214B368-1599-4B66-9B5D-30B654DBAF7A}" type="presParOf" srcId="{F7AC004D-5254-4D1A-833D-7DEA79A6658C}" destId="{CC307C75-08A7-4C5C-9A44-F72611CD33D9}" srcOrd="0" destOrd="0" presId="urn:microsoft.com/office/officeart/2005/8/layout/hProcess11"/>
+    <dgm:cxn modelId="{D715AE34-E85F-4AFA-9874-B153ACA562FF}" type="presParOf" srcId="{F7AC004D-5254-4D1A-833D-7DEA79A6658C}" destId="{0E6CCF4E-7102-436C-8CF5-700470350443}" srcOrd="1" destOrd="0" presId="urn:microsoft.com/office/officeart/2005/8/layout/hProcess11"/>
+    <dgm:cxn modelId="{3D382AED-2CD0-460F-9463-3B0C6260DE10}" type="presParOf" srcId="{F7AC004D-5254-4D1A-833D-7DEA79A6658C}" destId="{591950FD-3AAE-46DF-943E-8CC4312D830A}" srcOrd="2" destOrd="0" presId="urn:microsoft.com/office/officeart/2005/8/layout/hProcess11"/>
+  </dgm:cxnLst>
+  <dgm:bg/>
+  <dgm:whole/>
+  <dgm:extLst>
+    <a:ext uri="http://schemas.microsoft.com/office/drawing/2008/diagram">
+      <dsp:dataModelExt xmlns:dsp="http://schemas.microsoft.com/office/drawing/2008/diagram" relId="rId6" minVer="http://schemas.openxmlformats.org/drawingml/2006/diagram"/>
+    </a:ext>
+  </dgm:extLst>
+</dgm:dataModel>
+</file>
+
+<file path=ppt/diagrams/drawing1.xml><?xml version="1.0" encoding="utf-8"?>
+<dsp:drawing xmlns:dgm="http://schemas.openxmlformats.org/drawingml/2006/diagram" xmlns:dsp="http://schemas.microsoft.com/office/drawing/2008/diagram" xmlns:a="http://schemas.openxmlformats.org/drawingml/2006/main">
+  <dsp:spTree>
+    <dsp:nvGrpSpPr>
+      <dsp:cNvPr id="0" name=""/>
+      <dsp:cNvGrpSpPr/>
+    </dsp:nvGrpSpPr>
+    <dsp:grpSpPr/>
+    <dsp:sp modelId="{08BBDAE4-2904-4E9A-A1A0-49A68576BC2C}">
+      <dsp:nvSpPr>
+        <dsp:cNvPr id="0" name=""/>
+        <dsp:cNvSpPr/>
+      </dsp:nvSpPr>
+      <dsp:spPr>
+        <a:xfrm>
+          <a:off x="0" y="1625600"/>
+          <a:ext cx="10014998" cy="2167466"/>
+        </a:xfrm>
+        <a:prstGeom prst="notchedRightArrow">
+          <a:avLst/>
+        </a:prstGeom>
+        <a:solidFill>
+          <a:schemeClr val="accent2">
+            <a:tint val="40000"/>
+            <a:hueOff val="0"/>
+            <a:satOff val="0"/>
+            <a:lumOff val="0"/>
+            <a:alphaOff val="0"/>
+          </a:schemeClr>
+        </a:solidFill>
+        <a:ln>
+          <a:noFill/>
+        </a:ln>
+        <a:effectLst/>
+      </dsp:spPr>
+      <dsp:style>
+        <a:lnRef idx="0">
+          <a:scrgbClr r="0" g="0" b="0"/>
+        </a:lnRef>
+        <a:fillRef idx="1">
+          <a:scrgbClr r="0" g="0" b="0"/>
+        </a:fillRef>
+        <a:effectRef idx="0">
+          <a:scrgbClr r="0" g="0" b="0"/>
+        </a:effectRef>
+        <a:fontRef idx="minor"/>
+      </dsp:style>
+    </dsp:sp>
+    <dsp:sp modelId="{4C225791-FB27-451E-BA27-7C86C480DD7C}">
+      <dsp:nvSpPr>
+        <dsp:cNvPr id="0" name=""/>
+        <dsp:cNvSpPr/>
+      </dsp:nvSpPr>
+      <dsp:spPr>
+        <a:xfrm>
+          <a:off x="110" y="0"/>
+          <a:ext cx="4396721" cy="2167466"/>
+        </a:xfrm>
+        <a:prstGeom prst="rect">
+          <a:avLst/>
+        </a:prstGeom>
+        <a:noFill/>
+        <a:ln>
+          <a:noFill/>
+        </a:ln>
+        <a:effectLst/>
+      </dsp:spPr>
+      <dsp:style>
+        <a:lnRef idx="0">
+          <a:scrgbClr r="0" g="0" b="0"/>
+        </a:lnRef>
+        <a:fillRef idx="0">
+          <a:scrgbClr r="0" g="0" b="0"/>
+        </a:fillRef>
+        <a:effectRef idx="0">
+          <a:scrgbClr r="0" g="0" b="0"/>
+        </a:effectRef>
+        <a:fontRef idx="minor"/>
+      </dsp:style>
+      <dsp:txBody>
+        <a:bodyPr spcFirstLastPara="0" vert="horz" wrap="square" lIns="199136" tIns="199136" rIns="199136" bIns="199136" numCol="1" spcCol="1270" anchor="b" anchorCtr="1">
+          <a:noAutofit/>
+        </a:bodyPr>
+        <a:lstStyle/>
+        <a:p>
+          <a:pPr marL="0" lvl="0" indent="0" algn="l" defTabSz="1244600">
+            <a:lnSpc>
+              <a:spcPct val="90000"/>
+            </a:lnSpc>
+            <a:spcBef>
+              <a:spcPct val="0"/>
+            </a:spcBef>
+            <a:spcAft>
+              <a:spcPct val="35000"/>
+            </a:spcAft>
+            <a:buNone/>
+          </a:pPr>
+          <a:r>
+            <a:rPr lang="en-GB" sz="2800" b="1" kern="1200" dirty="0"/>
+            <a:t>First semester</a:t>
+          </a:r>
+        </a:p>
+        <a:p>
+          <a:pPr marL="228600" lvl="1" indent="-228600" algn="l" defTabSz="889000">
+            <a:lnSpc>
+              <a:spcPct val="90000"/>
+            </a:lnSpc>
+            <a:spcBef>
+              <a:spcPct val="0"/>
+            </a:spcBef>
+            <a:spcAft>
+              <a:spcPct val="15000"/>
+            </a:spcAft>
+            <a:buChar char="•"/>
+          </a:pPr>
+          <a:r>
+            <a:rPr lang="en-GB" sz="2000" kern="1200" dirty="0"/>
+            <a:t>Exploratory data analysis</a:t>
+          </a:r>
+        </a:p>
+        <a:p>
+          <a:pPr marL="228600" lvl="1" indent="-228600" algn="l" defTabSz="889000">
+            <a:lnSpc>
+              <a:spcPct val="90000"/>
+            </a:lnSpc>
+            <a:spcBef>
+              <a:spcPct val="0"/>
+            </a:spcBef>
+            <a:spcAft>
+              <a:spcPct val="15000"/>
+            </a:spcAft>
+            <a:buChar char="•"/>
+          </a:pPr>
+          <a:r>
+            <a:rPr lang="en-GB" sz="2000" kern="1200" dirty="0"/>
+            <a:t>Literature review</a:t>
+          </a:r>
+        </a:p>
+        <a:p>
+          <a:pPr marL="228600" lvl="1" indent="-228600" algn="l" defTabSz="889000">
+            <a:lnSpc>
+              <a:spcPct val="90000"/>
+            </a:lnSpc>
+            <a:spcBef>
+              <a:spcPct val="0"/>
+            </a:spcBef>
+            <a:spcAft>
+              <a:spcPct val="15000"/>
+            </a:spcAft>
+            <a:buChar char="•"/>
+          </a:pPr>
+          <a:r>
+            <a:rPr lang="en-GB" sz="2000" kern="1200" dirty="0"/>
+            <a:t>Getting familiar with software</a:t>
+          </a:r>
+        </a:p>
+      </dsp:txBody>
+      <dsp:txXfrm>
+        <a:off x="110" y="0"/>
+        <a:ext cx="4396721" cy="2167466"/>
+      </dsp:txXfrm>
+    </dsp:sp>
+    <dsp:sp modelId="{E86FFDB5-8416-4394-B100-A8A43C89AE47}">
+      <dsp:nvSpPr>
+        <dsp:cNvPr id="0" name=""/>
+        <dsp:cNvSpPr/>
+      </dsp:nvSpPr>
+      <dsp:spPr>
+        <a:xfrm>
+          <a:off x="1927537" y="2438400"/>
+          <a:ext cx="541866" cy="541866"/>
+        </a:xfrm>
+        <a:prstGeom prst="ellipse">
+          <a:avLst/>
+        </a:prstGeom>
+        <a:solidFill>
+          <a:schemeClr val="accent2">
+            <a:hueOff val="0"/>
+            <a:satOff val="0"/>
+            <a:lumOff val="0"/>
+            <a:alphaOff val="0"/>
+          </a:schemeClr>
+        </a:solidFill>
+        <a:ln w="12700" cap="flat" cmpd="sng" algn="ctr">
+          <a:solidFill>
+            <a:schemeClr val="lt1">
+              <a:hueOff val="0"/>
+              <a:satOff val="0"/>
+              <a:lumOff val="0"/>
+              <a:alphaOff val="0"/>
+            </a:schemeClr>
+          </a:solidFill>
+          <a:prstDash val="solid"/>
+          <a:miter lim="800000"/>
+        </a:ln>
+        <a:effectLst/>
+      </dsp:spPr>
+      <dsp:style>
+        <a:lnRef idx="2">
+          <a:scrgbClr r="0" g="0" b="0"/>
+        </a:lnRef>
+        <a:fillRef idx="1">
+          <a:scrgbClr r="0" g="0" b="0"/>
+        </a:fillRef>
+        <a:effectRef idx="0">
+          <a:scrgbClr r="0" g="0" b="0"/>
+        </a:effectRef>
+        <a:fontRef idx="minor">
+          <a:schemeClr val="lt1"/>
+        </a:fontRef>
+      </dsp:style>
+    </dsp:sp>
+    <dsp:sp modelId="{CC307C75-08A7-4C5C-9A44-F72611CD33D9}">
+      <dsp:nvSpPr>
+        <dsp:cNvPr id="0" name=""/>
+        <dsp:cNvSpPr/>
+      </dsp:nvSpPr>
+      <dsp:spPr>
+        <a:xfrm>
+          <a:off x="4616667" y="3251200"/>
+          <a:ext cx="4396721" cy="2167466"/>
+        </a:xfrm>
+        <a:prstGeom prst="rect">
+          <a:avLst/>
+        </a:prstGeom>
+        <a:noFill/>
+        <a:ln>
+          <a:noFill/>
+        </a:ln>
+        <a:effectLst/>
+      </dsp:spPr>
+      <dsp:style>
+        <a:lnRef idx="0">
+          <a:scrgbClr r="0" g="0" b="0"/>
+        </a:lnRef>
+        <a:fillRef idx="0">
+          <a:scrgbClr r="0" g="0" b="0"/>
+        </a:fillRef>
+        <a:effectRef idx="0">
+          <a:scrgbClr r="0" g="0" b="0"/>
+        </a:effectRef>
+        <a:fontRef idx="minor"/>
+      </dsp:style>
+      <dsp:txBody>
+        <a:bodyPr spcFirstLastPara="0" vert="horz" wrap="square" lIns="199136" tIns="199136" rIns="199136" bIns="199136" numCol="1" spcCol="1270" anchor="t" anchorCtr="1">
+          <a:noAutofit/>
+        </a:bodyPr>
+        <a:lstStyle/>
+        <a:p>
+          <a:pPr marL="0" lvl="0" indent="0" algn="l" defTabSz="1244600">
+            <a:lnSpc>
+              <a:spcPct val="90000"/>
+            </a:lnSpc>
+            <a:spcBef>
+              <a:spcPct val="0"/>
+            </a:spcBef>
+            <a:spcAft>
+              <a:spcPct val="35000"/>
+            </a:spcAft>
+            <a:buNone/>
+          </a:pPr>
+          <a:r>
+            <a:rPr lang="en-GB" sz="2800" b="1" kern="1200" dirty="0"/>
+            <a:t>Second semester</a:t>
+          </a:r>
+        </a:p>
+        <a:p>
+          <a:pPr marL="228600" lvl="1" indent="-228600" algn="l" defTabSz="889000">
+            <a:lnSpc>
+              <a:spcPct val="90000"/>
+            </a:lnSpc>
+            <a:spcBef>
+              <a:spcPct val="0"/>
+            </a:spcBef>
+            <a:spcAft>
+              <a:spcPct val="15000"/>
+            </a:spcAft>
+            <a:buChar char="•"/>
+          </a:pPr>
+          <a:r>
+            <a:rPr lang="en-GB" sz="2000" kern="1200" dirty="0"/>
+            <a:t>Baseline models</a:t>
+          </a:r>
+        </a:p>
+        <a:p>
+          <a:pPr marL="228600" lvl="1" indent="-228600" algn="l" defTabSz="889000">
+            <a:lnSpc>
+              <a:spcPct val="90000"/>
+            </a:lnSpc>
+            <a:spcBef>
+              <a:spcPct val="0"/>
+            </a:spcBef>
+            <a:spcAft>
+              <a:spcPct val="15000"/>
+            </a:spcAft>
+            <a:buChar char="•"/>
+          </a:pPr>
+          <a:r>
+            <a:rPr lang="en-GB" sz="2000" kern="1200" dirty="0"/>
+            <a:t>LSTM models</a:t>
+          </a:r>
+        </a:p>
+        <a:p>
+          <a:pPr marL="228600" lvl="1" indent="-228600" algn="l" defTabSz="889000">
+            <a:lnSpc>
+              <a:spcPct val="90000"/>
+            </a:lnSpc>
+            <a:spcBef>
+              <a:spcPct val="0"/>
+            </a:spcBef>
+            <a:spcAft>
+              <a:spcPct val="15000"/>
+            </a:spcAft>
+            <a:buChar char="•"/>
+          </a:pPr>
+          <a:r>
+            <a:rPr lang="en-GB" sz="2000" kern="1200" dirty="0"/>
+            <a:t>Parameter search</a:t>
+          </a:r>
+        </a:p>
+        <a:p>
+          <a:pPr marL="228600" lvl="1" indent="-228600" algn="l" defTabSz="889000">
+            <a:lnSpc>
+              <a:spcPct val="90000"/>
+            </a:lnSpc>
+            <a:spcBef>
+              <a:spcPct val="0"/>
+            </a:spcBef>
+            <a:spcAft>
+              <a:spcPct val="15000"/>
+            </a:spcAft>
+            <a:buChar char="•"/>
+          </a:pPr>
+          <a:r>
+            <a:rPr lang="en-GB" sz="2000" kern="1200" dirty="0"/>
+            <a:t>Testing</a:t>
+          </a:r>
+        </a:p>
+        <a:p>
+          <a:pPr marL="228600" lvl="1" indent="-228600" algn="l" defTabSz="889000">
+            <a:lnSpc>
+              <a:spcPct val="90000"/>
+            </a:lnSpc>
+            <a:spcBef>
+              <a:spcPct val="0"/>
+            </a:spcBef>
+            <a:spcAft>
+              <a:spcPct val="15000"/>
+            </a:spcAft>
+            <a:buChar char="•"/>
+          </a:pPr>
+          <a:r>
+            <a:rPr lang="en-GB" sz="2000" kern="1200" dirty="0"/>
+            <a:t>Writing thesis</a:t>
+          </a:r>
+        </a:p>
+      </dsp:txBody>
+      <dsp:txXfrm>
+        <a:off x="4616667" y="3251200"/>
+        <a:ext cx="4396721" cy="2167466"/>
+      </dsp:txXfrm>
+    </dsp:sp>
+    <dsp:sp modelId="{0E6CCF4E-7102-436C-8CF5-700470350443}">
+      <dsp:nvSpPr>
+        <dsp:cNvPr id="0" name=""/>
+        <dsp:cNvSpPr/>
+      </dsp:nvSpPr>
+      <dsp:spPr>
+        <a:xfrm>
+          <a:off x="6544094" y="2438400"/>
+          <a:ext cx="541866" cy="541866"/>
+        </a:xfrm>
+        <a:prstGeom prst="ellipse">
+          <a:avLst/>
+        </a:prstGeom>
+        <a:solidFill>
+          <a:schemeClr val="accent3">
+            <a:hueOff val="0"/>
+            <a:satOff val="0"/>
+            <a:lumOff val="0"/>
+            <a:alphaOff val="0"/>
+          </a:schemeClr>
+        </a:solidFill>
+        <a:ln w="12700" cap="flat" cmpd="sng" algn="ctr">
+          <a:solidFill>
+            <a:schemeClr val="lt1">
+              <a:hueOff val="0"/>
+              <a:satOff val="0"/>
+              <a:lumOff val="0"/>
+              <a:alphaOff val="0"/>
+            </a:schemeClr>
+          </a:solidFill>
+          <a:prstDash val="solid"/>
+          <a:miter lim="800000"/>
+        </a:ln>
+        <a:effectLst/>
+      </dsp:spPr>
+      <dsp:style>
+        <a:lnRef idx="2">
+          <a:scrgbClr r="0" g="0" b="0"/>
+        </a:lnRef>
+        <a:fillRef idx="1">
+          <a:scrgbClr r="0" g="0" b="0"/>
+        </a:fillRef>
+        <a:effectRef idx="0">
+          <a:scrgbClr r="0" g="0" b="0"/>
+        </a:effectRef>
+        <a:fontRef idx="minor">
+          <a:schemeClr val="lt1"/>
+        </a:fontRef>
+      </dsp:style>
+    </dsp:sp>
+  </dsp:spTree>
+</dsp:drawing>
+</file>
+
+<file path=ppt/diagrams/layout1.xml><?xml version="1.0" encoding="utf-8"?>
+<dgm:layoutDef xmlns:dgm="http://schemas.openxmlformats.org/drawingml/2006/diagram" xmlns:a="http://schemas.openxmlformats.org/drawingml/2006/main" uniqueId="urn:microsoft.com/office/officeart/2005/8/layout/hProcess11">
+  <dgm:title val=""/>
+  <dgm:desc val=""/>
+  <dgm:catLst>
+    <dgm:cat type="process" pri="8000"/>
+    <dgm:cat type="convert" pri="14000"/>
+  </dgm:catLst>
+  <dgm:sampData useDef="1">
+    <dgm:dataModel>
+      <dgm:ptLst/>
+      <dgm:bg/>
+      <dgm:whole/>
+    </dgm:dataModel>
+  </dgm:sampData>
+  <dgm:styleData>
+    <dgm:dataModel>
+      <dgm:ptLst>
+        <dgm:pt modelId="0" type="doc"/>
+        <dgm:pt modelId="1"/>
+        <dgm:pt modelId="2"/>
+      </dgm:ptLst>
+      <dgm:cxnLst>
+        <dgm:cxn modelId="4" srcId="0" destId="1" srcOrd="0" destOrd="0"/>
+        <dgm:cxn modelId="5" srcId="0" destId="2" srcOrd="1" destOrd="0"/>
+      </dgm:cxnLst>
+      <dgm:bg/>
+      <dgm:whole/>
+    </dgm:dataModel>
+  </dgm:styleData>
+  <dgm:clrData>
+    <dgm:dataModel>
+      <dgm:ptLst>
+        <dgm:pt modelId="0" type="doc"/>
+        <dgm:pt modelId="1"/>
+        <dgm:pt modelId="2"/>
+        <dgm:pt modelId="3"/>
+        <dgm:pt modelId="4"/>
+      </dgm:ptLst>
+      <dgm:cxnLst>
+        <dgm:cxn modelId="5" srcId="0" destId="1" srcOrd="0" destOrd="0"/>
+        <dgm:cxn modelId="6" srcId="0" destId="2" srcOrd="1" destOrd="0"/>
+        <dgm:cxn modelId="7" srcId="0" destId="3" srcOrd="2" destOrd="0"/>
+        <dgm:cxn modelId="8" srcId="0" destId="4" srcOrd="3" destOrd="0"/>
+      </dgm:cxnLst>
+      <dgm:bg/>
+      <dgm:whole/>
+    </dgm:dataModel>
+  </dgm:clrData>
+  <dgm:layoutNode name="Name0">
+    <dgm:varLst>
+      <dgm:dir/>
+      <dgm:resizeHandles val="exact"/>
+    </dgm:varLst>
+    <dgm:alg type="composite"/>
+    <dgm:shape xmlns:r="http://schemas.openxmlformats.org/officeDocument/2006/relationships" r:blip="">
+      <dgm:adjLst/>
+    </dgm:shape>
+    <dgm:presOf/>
+    <dgm:choose name="Name1">
+      <dgm:if name="Name2" func="var" arg="dir" op="equ" val="norm">
+        <dgm:constrLst>
+          <dgm:constr type="w" for="ch" forName="arrow" refType="w"/>
+          <dgm:constr type="h" for="ch" forName="arrow" refType="h" fact="0.4"/>
+          <dgm:constr type="ctrY" for="ch" forName="arrow" refType="h" fact="0.5"/>
+          <dgm:constr type="l" for="ch" forName="arrow"/>
+          <dgm:constr type="w" for="ch" forName="points" refType="w" fact="0.9"/>
+          <dgm:constr type="h" for="ch" forName="points" refType="h"/>
+          <dgm:constr type="t" for="ch" forName="points"/>
+          <dgm:constr type="l" for="ch" forName="points"/>
+        </dgm:constrLst>
+      </dgm:if>
+      <dgm:else name="Name3">
+        <dgm:constrLst>
+          <dgm:constr type="w" for="ch" forName="arrow" refType="w"/>
+          <dgm:constr type="h" for="ch" forName="arrow" refType="h" fact="0.4"/>
+          <dgm:constr type="ctrY" for="ch" forName="arrow" refType="h" fact="0.5"/>
+          <dgm:constr type="r" for="ch" forName="arrow" refType="w"/>
+          <dgm:constr type="w" for="ch" forName="points" refType="w" fact="0.9"/>
+          <dgm:constr type="h" for="ch" forName="points" refType="h"/>
+          <dgm:constr type="t" for="ch" forName="points"/>
+          <dgm:constr type="r" for="ch" forName="points" refType="w"/>
+        </dgm:constrLst>
+      </dgm:else>
+    </dgm:choose>
+    <dgm:ruleLst/>
+    <dgm:layoutNode name="arrow" styleLbl="bgShp">
+      <dgm:alg type="sp"/>
+      <dgm:choose name="Name4">
+        <dgm:if name="Name5" func="var" arg="dir" op="equ" val="norm">
+          <dgm:shape xmlns:r="http://schemas.openxmlformats.org/officeDocument/2006/relationships" type="notchedRightArrow" r:blip="">
+            <dgm:adjLst/>
+          </dgm:shape>
+        </dgm:if>
+        <dgm:else name="Name6">
+          <dgm:shape xmlns:r="http://schemas.openxmlformats.org/officeDocument/2006/relationships" rot="180" type="notchedRightArrow" r:blip="">
+            <dgm:adjLst/>
+          </dgm:shape>
+        </dgm:else>
+      </dgm:choose>
+      <dgm:presOf/>
+      <dgm:constrLst/>
+      <dgm:ruleLst/>
+    </dgm:layoutNode>
+    <dgm:layoutNode name="points">
+      <dgm:choose name="Name7">
+        <dgm:if name="Name8" func="var" arg="dir" op="equ" val="norm">
+          <dgm:alg type="lin">
+            <dgm:param type="linDir" val="fromL"/>
+          </dgm:alg>
+        </dgm:if>
+        <dgm:else name="Name9">
+          <dgm:alg type="lin">
+            <dgm:param type="linDir" val="fromR"/>
+          </dgm:alg>
+        </dgm:else>
+      </dgm:choose>
+      <dgm:shape xmlns:r="http://schemas.openxmlformats.org/officeDocument/2006/relationships" r:blip="">
+        <dgm:adjLst/>
+      </dgm:shape>
+      <dgm:presOf/>
+      <dgm:constrLst>
+        <dgm:constr type="w" for="ch" forName="compositeA" refType="w"/>
+        <dgm:constr type="h" for="ch" forName="compositeA" refType="h"/>
+        <dgm:constr type="w" for="ch" forName="compositeB" refType="w" refFor="ch" refForName="compositeA" op="equ"/>
+        <dgm:constr type="h" for="ch" forName="compositeB" refType="h" refFor="ch" refForName="compositeA" op="equ"/>
+        <dgm:constr type="primFontSz" for="des" ptType="node" op="equ" val="65"/>
+        <dgm:constr type="w" for="ch" forName="space" refType="w" refFor="ch" refForName="compositeA" op="equ" fact="0.05"/>
+      </dgm:constrLst>
+      <dgm:ruleLst/>
+      <dgm:forEach name="Name10" axis="ch" ptType="node">
+        <dgm:choose name="Name11">
+          <dgm:if name="Name12" axis="self" ptType="node" func="posOdd" op="equ" val="1">
+            <dgm:layoutNode name="compositeA">
+              <dgm:alg type="composite"/>
+              <dgm:shape xmlns:r="http://schemas.openxmlformats.org/officeDocument/2006/relationships" r:blip="">
+                <dgm:adjLst/>
+              </dgm:shape>
+              <dgm:presOf/>
+              <dgm:constrLst>
+                <dgm:constr type="w" for="ch" forName="textA" refType="w"/>
+                <dgm:constr type="h" for="ch" forName="textA" refType="h" fact="0.4"/>
+                <dgm:constr type="t" for="ch" forName="textA"/>
+                <dgm:constr type="l" for="ch" forName="textA"/>
+                <dgm:constr type="h" for="ch" forName="circleA" refType="h" fact="0.1"/>
+                <dgm:constr type="h" for="ch" forName="circleA" refType="w" op="lte"/>
+                <dgm:constr type="w" for="ch" forName="circleA" refType="h" refFor="ch" refForName="circleA" op="equ"/>
+                <dgm:constr type="ctrY" for="ch" forName="circleA" refType="h" fact="0.5"/>
+                <dgm:constr type="ctrX" for="ch" forName="circleA" refType="w" refFor="ch" refForName="textA" fact="0.5"/>
+                <dgm:constr type="w" for="ch" forName="spaceA" refType="w"/>
+                <dgm:constr type="h" for="ch" forName="spaceA" refType="h" fact="0.4"/>
+                <dgm:constr type="b" for="ch" forName="spaceA" refType="h"/>
+                <dgm:constr type="l" for="ch" forName="spaceA"/>
+              </dgm:constrLst>
+              <dgm:ruleLst/>
+              <dgm:layoutNode name="textA" styleLbl="revTx">
+                <dgm:varLst>
+                  <dgm:bulletEnabled val="1"/>
+                </dgm:varLst>
+                <dgm:alg type="tx">
+                  <dgm:param type="txAnchorVert" val="b"/>
+                  <dgm:param type="txAnchorVertCh" val="b"/>
+                  <dgm:param type="txAnchorHorzCh" val="ctr"/>
+                </dgm:alg>
+                <dgm:shape xmlns:r="http://schemas.openxmlformats.org/officeDocument/2006/relationships" type="rect" r:blip="">
+                  <dgm:adjLst/>
+                </dgm:shape>
+                <dgm:presOf axis="desOrSelf" ptType="node"/>
+                <dgm:constrLst/>
+                <dgm:ruleLst>
+                  <dgm:rule type="primFontSz" val="5" fact="NaN" max="NaN"/>
+                </dgm:ruleLst>
+              </dgm:layoutNode>
+              <dgm:layoutNode name="circleA">
+                <dgm:alg type="sp"/>
+                <dgm:shape xmlns:r="http://schemas.openxmlformats.org/officeDocument/2006/relationships" type="ellipse" r:blip="">
+                  <dgm:adjLst/>
+                </dgm:shape>
+                <dgm:presOf/>
+                <dgm:constrLst/>
+                <dgm:ruleLst/>
+              </dgm:layoutNode>
+              <dgm:layoutNode name="spaceA">
+                <dgm:alg type="sp"/>
+                <dgm:shape xmlns:r="http://schemas.openxmlformats.org/officeDocument/2006/relationships" r:blip="">
+                  <dgm:adjLst/>
+                </dgm:shape>
+                <dgm:presOf/>
+                <dgm:constrLst/>
+                <dgm:ruleLst/>
+              </dgm:layoutNode>
+            </dgm:layoutNode>
+          </dgm:if>
+          <dgm:else name="Name13">
+            <dgm:layoutNode name="compositeB">
+              <dgm:alg type="composite"/>
+              <dgm:shape xmlns:r="http://schemas.openxmlformats.org/officeDocument/2006/relationships" r:blip="">
+                <dgm:adjLst/>
+              </dgm:shape>
+              <dgm:presOf/>
+              <dgm:constrLst>
+                <dgm:constr type="w" for="ch" forName="textB" refType="w"/>
+                <dgm:constr type="h" for="ch" forName="textB" refType="h" fact="0.4"/>
+                <dgm:constr type="b" for="ch" forName="textB" refType="h"/>
+                <dgm:constr type="l" for="ch" forName="textB"/>
+                <dgm:constr type="h" for="ch" forName="circleB" refType="h" fact="0.1"/>
+                <dgm:constr type="w" for="ch" forName="circleB" refType="h" refFor="ch" refForName="circleB" op="equ"/>
+                <dgm:constr type="h" for="ch" forName="circleB" refType="w" op="lte"/>
+                <dgm:constr type="ctrY" for="ch" forName="circleB" refType="h" fact="0.5"/>
+                <dgm:constr type="ctrX" for="ch" forName="circleB" refType="w" refFor="ch" refForName="textB" fact="0.5"/>
+                <dgm:constr type="w" for="ch" forName="spaceB" refType="w"/>
+                <dgm:constr type="h" for="ch" forName="spaceB" refType="h" fact="0.4"/>
+                <dgm:constr type="t" for="ch" forName="spaceB"/>
+                <dgm:constr type="l" for="ch" forName="spaceB"/>
+              </dgm:constrLst>
+              <dgm:ruleLst/>
+              <dgm:layoutNode name="textB" styleLbl="revTx">
+                <dgm:varLst>
+                  <dgm:bulletEnabled val="1"/>
+                </dgm:varLst>
+                <dgm:alg type="tx">
+                  <dgm:param type="txAnchorVert" val="t"/>
+                  <dgm:param type="txAnchorVertCh" val="t"/>
+                  <dgm:param type="txAnchorHorzCh" val="ctr"/>
+                </dgm:alg>
+                <dgm:shape xmlns:r="http://schemas.openxmlformats.org/officeDocument/2006/relationships" type="rect" r:blip="">
+                  <dgm:adjLst/>
+                </dgm:shape>
+                <dgm:presOf axis="desOrSelf" ptType="node"/>
+                <dgm:constrLst/>
+                <dgm:ruleLst>
+                  <dgm:rule type="primFontSz" val="5" fact="NaN" max="NaN"/>
+                </dgm:ruleLst>
+              </dgm:layoutNode>
+              <dgm:layoutNode name="circleB">
+                <dgm:alg type="sp"/>
+                <dgm:shape xmlns:r="http://schemas.openxmlformats.org/officeDocument/2006/relationships" type="ellipse" r:blip="">
+                  <dgm:adjLst/>
+                </dgm:shape>
+                <dgm:presOf/>
+                <dgm:constrLst/>
+                <dgm:ruleLst/>
+              </dgm:layoutNode>
+              <dgm:layoutNode name="spaceB">
+                <dgm:alg type="sp"/>
+                <dgm:shape xmlns:r="http://schemas.openxmlformats.org/officeDocument/2006/relationships" r:blip="">
+                  <dgm:adjLst/>
+                </dgm:shape>
+                <dgm:presOf/>
+                <dgm:constrLst/>
+                <dgm:ruleLst/>
+              </dgm:layoutNode>
+            </dgm:layoutNode>
+          </dgm:else>
+        </dgm:choose>
+        <dgm:forEach name="Name14" axis="followSib" ptType="sibTrans" cnt="1">
+          <dgm:layoutNode name="space">
+            <dgm:alg type="sp"/>
+            <dgm:shape xmlns:r="http://schemas.openxmlformats.org/officeDocument/2006/relationships" r:blip="">
+              <dgm:adjLst/>
+            </dgm:shape>
+            <dgm:presOf/>
+            <dgm:constrLst/>
+            <dgm:ruleLst/>
+          </dgm:layoutNode>
+        </dgm:forEach>
+      </dgm:forEach>
+    </dgm:layoutNode>
+  </dgm:layoutNode>
+</dgm:layoutDef>
+</file>
+
+<file path=ppt/diagrams/quickStyle1.xml><?xml version="1.0" encoding="utf-8"?>
+<dgm:styleDef xmlns:dgm="http://schemas.openxmlformats.org/drawingml/2006/diagram" xmlns:a="http://schemas.openxmlformats.org/drawingml/2006/main" uniqueId="urn:microsoft.com/office/officeart/2005/8/quickstyle/simple1">
+  <dgm:title val=""/>
+  <dgm:desc val=""/>
+  <dgm:catLst>
+    <dgm:cat type="simple" pri="10100"/>
+  </dgm:catLst>
+  <dgm:scene3d>
+    <a:camera prst="orthographicFront"/>
+    <a:lightRig rig="threePt" dir="t"/>
+  </dgm:scene3d>
+  <dgm:styleLbl name="node0">
+    <dgm:scene3d>
+      <a:camera prst="orthographicFront"/>
+      <a:lightRig rig="threePt" dir="t"/>
+    </dgm:scene3d>
+    <dgm:sp3d/>
+    <dgm:txPr/>
+    <dgm:style>
+      <a:lnRef idx="2">
+        <a:scrgbClr r="0" g="0" b="0"/>
+      </a:lnRef>
+      <a:fillRef idx="1">
+        <a:scrgbClr r="0" g="0" b="0"/>
+      </a:fillRef>
+      <a:effectRef idx="0">
+        <a:scrgbClr r="0" g="0" b="0"/>
+      </a:effectRef>
+      <a:fontRef idx="minor">
+        <a:schemeClr val="lt1"/>
+      </a:fontRef>
+    </dgm:style>
+  </dgm:styleLbl>
+  <dgm:styleLbl name="lnNode1">
+    <dgm:scene3d>
+      <a:camera prst="orthographicFront"/>
+      <a:lightRig rig="threePt" dir="t"/>
+    </dgm:scene3d>
+    <dgm:sp3d/>
+    <dgm:txPr/>
+    <dgm:style>
+      <a:lnRef idx="2">
+        <a:scrgbClr r="0" g="0" b="0"/>
+      </a:lnRef>
+      <a:fillRef idx="1">
+        <a:scrgbClr r="0" g="0" b="0"/>
+      </a:fillRef>
+      <a:effectRef idx="0">
+        <a:scrgbClr r="0" g="0" b="0"/>
+      </a:effectRef>
+      <a:fontRef idx="minor">
+        <a:schemeClr val="lt1"/>
+      </a:fontRef>
+    </dgm:style>
+  </dgm:styleLbl>
+  <dgm:styleLbl name="vennNode1">
+    <dgm:scene3d>
+      <a:camera prst="orthographicFront"/>
+      <a:lightRig rig="threePt" dir="t"/>
+    </dgm:scene3d>
+    <dgm:sp3d/>
+    <dgm:txPr/>
+    <dgm:style>
+      <a:lnRef idx="2">
+        <a:scrgbClr r="0" g="0" b="0"/>
+      </a:lnRef>
+      <a:fillRef idx="1">
+        <a:scrgbClr r="0" g="0" b="0"/>
+      </a:fillRef>
+      <a:effectRef idx="0">
+        <a:scrgbClr r="0" g="0" b="0"/>
+      </a:effectRef>
+      <a:fontRef idx="minor">
+        <a:schemeClr val="tx1"/>
+      </a:fontRef>
+    </dgm:style>
+  </dgm:styleLbl>
+  <dgm:styleLbl name="alignNode1">
+    <dgm:scene3d>
+      <a:camera prst="orthographicFront"/>
+      <a:lightRig rig="threePt" dir="t"/>
+    </dgm:scene3d>
+    <dgm:sp3d/>
+    <dgm:txPr/>
+    <dgm:style>
+      <a:lnRef idx="2">
+        <a:scrgbClr r="0" g="0" b="0"/>
+      </a:lnRef>
+      <a:fillRef idx="1">
+        <a:scrgbClr r="0" g="0" b="0"/>
+      </a:fillRef>
+      <a:effectRef idx="0">
+        <a:scrgbClr r="0" g="0" b="0"/>
+      </a:effectRef>
+      <a:fontRef idx="minor">
+        <a:schemeClr val="lt1"/>
+      </a:fontRef>
+    </dgm:style>
+  </dgm:styleLbl>
+  <dgm:styleLbl name="node1">
+    <dgm:scene3d>
+      <a:camera prst="orthographicFront"/>
+      <a:lightRig rig="threePt" dir="t"/>
+    </dgm:scene3d>
+    <dgm:sp3d/>
+    <dgm:txPr/>
+    <dgm:style>
+      <a:lnRef idx="2">
+        <a:scrgbClr r="0" g="0" b="0"/>
+      </a:lnRef>
+      <a:fillRef idx="1">
+        <a:scrgbClr r="0" g="0" b="0"/>
+      </a:fillRef>
+      <a:effectRef idx="0">
+        <a:scrgbClr r="0" g="0" b="0"/>
+      </a:effectRef>
+      <a:fontRef idx="minor">
+        <a:schemeClr val="lt1"/>
+      </a:fontRef>
+    </dgm:style>
+  </dgm:styleLbl>
+  <dgm:styleLbl name="node2">
+    <dgm:scene3d>
+      <a:camera prst="orthographicFront"/>
+      <a:lightRig rig="threePt" dir="t"/>
+    </dgm:scene3d>
+    <dgm:sp3d/>
+    <dgm:txPr/>
+    <dgm:style>
+      <a:lnRef idx="2">
+        <a:scrgbClr r="0" g="0" b="0"/>
+      </a:lnRef>
+      <a:fillRef idx="1">
+        <a:scrgbClr r="0" g="0" b="0"/>
+      </a:fillRef>
+      <a:effectRef idx="0">
+        <a:scrgbClr r="0" g="0" b="0"/>
+      </a:effectRef>
+      <a:fontRef idx="minor">
+        <a:schemeClr val="lt1"/>
+      </a:fontRef>
+    </dgm:style>
+  </dgm:styleLbl>
+  <dgm:styleLbl name="node3">
+    <dgm:scene3d>
+      <a:camera prst="orthographicFront"/>
+      <a:lightRig rig="threePt" dir="t"/>
+    </dgm:scene3d>
+    <dgm:sp3d/>
+    <dgm:txPr/>
+    <dgm:style>
+      <a:lnRef idx="2">
+        <a:scrgbClr r="0" g="0" b="0"/>
+      </a:lnRef>
+      <a:fillRef idx="1">
+        <a:scrgbClr r="0" g="0" b="0"/>
+      </a:fillRef>
+      <a:effectRef idx="0">
+        <a:scrgbClr r="0" g="0" b="0"/>
+      </a:effectRef>
+      <a:fontRef idx="minor">
+        <a:schemeClr val="lt1"/>
+      </a:fontRef>
+    </dgm:style>
+  </dgm:styleLbl>
+  <dgm:styleLbl name="node4">
+    <dgm:scene3d>
+      <a:camera prst="orthographicFront"/>
+      <a:lightRig rig="threePt" dir="t"/>
+    </dgm:scene3d>
+    <dgm:sp3d/>
+    <dgm:txPr/>
+    <dgm:style>
+      <a:lnRef idx="2">
+        <a:scrgbClr r="0" g="0" b="0"/>
+      </a:lnRef>
+      <a:fillRef idx="1">
+        <a:scrgbClr r="0" g="0" b="0"/>
+      </a:fillRef>
+      <a:effectRef idx="0">
+        <a:scrgbClr r="0" g="0" b="0"/>
+      </a:effectRef>
+      <a:fontRef idx="minor">
+        <a:schemeClr val="lt1"/>
+      </a:fontRef>
+    </dgm:style>
+  </dgm:styleLbl>
+  <dgm:styleLbl name="fgImgPlace1">
+    <dgm:scene3d>
+      <a:camera prst="orthographicFront"/>
+      <a:lightRig rig="threePt" dir="t"/>
+    </dgm:scene3d>
+    <dgm:sp3d/>
+    <dgm:txPr/>
+    <dgm:style>
+      <a:lnRef idx="2">
+        <a:scrgbClr r="0" g="0" b="0"/>
+      </a:lnRef>
+      <a:fillRef idx="1">
+        <a:scrgbClr r="0" g="0" b="0"/>
+      </a:fillRef>
+      <a:effectRef idx="0">
+        <a:scrgbClr r="0" g="0" b="0"/>
+      </a:effectRef>
+      <a:fontRef idx="minor"/>
+    </dgm:style>
+  </dgm:styleLbl>
+  <dgm:styleLbl name="alignImgPlace1">
+    <dgm:scene3d>
+      <a:camera prst="orthographicFront"/>
+      <a:lightRig rig="threePt" dir="t"/>
+    </dgm:scene3d>
+    <dgm:sp3d/>
+    <dgm:txPr/>
+    <dgm:style>
+      <a:lnRef idx="2">
+        <a:scrgbClr r="0" g="0" b="0"/>
+      </a:lnRef>
+      <a:fillRef idx="1">
+        <a:scrgbClr r="0" g="0" b="0"/>
+      </a:fillRef>
+      <a:effectRef idx="0">
+        <a:scrgbClr r="0" g="0" b="0"/>
+      </a:effectRef>
+      <a:fontRef idx="minor"/>
+    </dgm:style>
+  </dgm:styleLbl>
+  <dgm:styleLbl name="bgImgPlace1">
+    <dgm:scene3d>
+      <a:camera prst="orthographicFront"/>
+      <a:lightRig rig="threePt" dir="t"/>
+    </dgm:scene3d>
+    <dgm:sp3d/>
+    <dgm:txPr/>
+    <dgm:style>
+      <a:lnRef idx="2">
+        <a:scrgbClr r="0" g="0" b="0"/>
+      </a:lnRef>
+      <a:fillRef idx="1">
+        <a:scrgbClr r="0" g="0" b="0"/>
+      </a:fillRef>
+      <a:effectRef idx="0">
+        <a:scrgbClr r="0" g="0" b="0"/>
+      </a:effectRef>
+      <a:fontRef idx="minor"/>
+    </dgm:style>
+  </dgm:styleLbl>
+  <dgm:styleLbl name="sibTrans2D1">
+    <dgm:scene3d>
+      <a:camera prst="orthographicFront"/>
+      <a:lightRig rig="threePt" dir="t"/>
+    </dgm:scene3d>
+    <dgm:sp3d/>
+    <dgm:txPr/>
+    <dgm:style>
+      <a:lnRef idx="0">
+        <a:scrgbClr r="0" g="0" b="0"/>
+      </a:lnRef>
+      <a:fillRef idx="1">
+        <a:scrgbClr r="0" g="0" b="0"/>
+      </a:fillRef>
+      <a:effectRef idx="0">
+        <a:scrgbClr r="0" g="0" b="0"/>
+      </a:effectRef>
+      <a:fontRef idx="minor">
+        <a:schemeClr val="lt1"/>
+      </a:fontRef>
+    </dgm:style>
+  </dgm:styleLbl>
+  <dgm:styleLbl name="fgSibTrans2D1">
+    <dgm:scene3d>
+      <a:camera prst="orthographicFront"/>
+      <a:lightRig rig="threePt" dir="t"/>
+    </dgm:scene3d>
+    <dgm:sp3d/>
+    <dgm:txPr/>
+    <dgm:style>
+      <a:lnRef idx="0">
+        <a:scrgbClr r="0" g="0" b="0"/>
+      </a:lnRef>
+      <a:fillRef idx="1">
+        <a:scrgbClr r="0" g="0" b="0"/>
+      </a:fillRef>
+      <a:effectRef idx="0">
+        <a:scrgbClr r="0" g="0" b="0"/>
+      </a:effectRef>
+      <a:fontRef idx="minor">
+        <a:schemeClr val="lt1"/>
+      </a:fontRef>
+    </dgm:style>
+  </dgm:styleLbl>
+  <dgm:styleLbl name="bgSibTrans2D1">
+    <dgm:scene3d>
+      <a:camera prst="orthographicFront"/>
+      <a:lightRig rig="threePt" dir="t"/>
+    </dgm:scene3d>
+    <dgm:sp3d/>
+    <dgm:txPr/>
+    <dgm:style>
+      <a:lnRef idx="0">
+        <a:scrgbClr r="0" g="0" b="0"/>
+      </a:lnRef>
+      <a:fillRef idx="1">
+        <a:scrgbClr r="0" g="0" b="0"/>
+      </a:fillRef>
+      <a:effectRef idx="0">
+        <a:scrgbClr r="0" g="0" b="0"/>
+      </a:effectRef>
+      <a:fontRef idx="minor">
+        <a:schemeClr val="lt1"/>
+      </a:fontRef>
+    </dgm:style>
+  </dgm:styleLbl>
+  <dgm:styleLbl name="sibTrans1D1">
+    <dgm:scene3d>
+      <a:camera prst="orthographicFront"/>
+      <a:lightRig rig="threePt" dir="t"/>
+    </dgm:scene3d>
+    <dgm:sp3d/>
+    <dgm:txPr/>
+    <dgm:style>
+      <a:lnRef idx="1">
+        <a:scrgbClr r="0" g="0" b="0"/>
+      </a:lnRef>
+      <a:fillRef idx="0">
+        <a:scrgbClr r="0" g="0" b="0"/>
+      </a:fillRef>
+      <a:effectRef idx="0">
+        <a:scrgbClr r="0" g="0" b="0"/>
+      </a:effectRef>
+      <a:fontRef idx="minor"/>
+    </dgm:style>
+  </dgm:styleLbl>
+  <dgm:styleLbl name="callout">
+    <dgm:scene3d>
+      <a:camera prst="orthographicFront"/>
+      <a:lightRig rig="threePt" dir="t"/>
+    </dgm:scene3d>
+    <dgm:sp3d/>
+    <dgm:txPr/>
+    <dgm:style>
+      <a:lnRef idx="2">
+        <a:scrgbClr r="0" g="0" b="0"/>
+      </a:lnRef>
+      <a:fillRef idx="1">
+        <a:scrgbClr r="0" g="0" b="0"/>
+      </a:fillRef>
+      <a:effectRef idx="0">
+        <a:scrgbClr r="0" g="0" b="0"/>
+      </a:effectRef>
+      <a:fontRef idx="minor"/>
+    </dgm:style>
+  </dgm:styleLbl>
+  <dgm:styleLbl name="asst0">
+    <dgm:scene3d>
+      <a:camera prst="orthographicFront"/>
+      <a:lightRig rig="threePt" dir="t"/>
+    </dgm:scene3d>
+    <dgm:sp3d/>
+    <dgm:txPr/>
+    <dgm:style>
+      <a:lnRef idx="2">
+        <a:scrgbClr r="0" g="0" b="0"/>
+      </a:lnRef>
+      <a:fillRef idx="1">
+        <a:scrgbClr r="0" g="0" b="0"/>
+      </a:fillRef>
+      <a:effectRef idx="0">
+        <a:scrgbClr r="0" g="0" b="0"/>
+      </a:effectRef>
+      <a:fontRef idx="minor">
+        <a:schemeClr val="lt1"/>
+      </a:fontRef>
+    </dgm:style>
+  </dgm:styleLbl>
+  <dgm:styleLbl name="asst1">
+    <dgm:scene3d>
+      <a:camera prst="orthographicFront"/>
+      <a:lightRig rig="threePt" dir="t"/>
+    </dgm:scene3d>
+    <dgm:sp3d/>
+    <dgm:txPr/>
+    <dgm:style>
+      <a:lnRef idx="2">
+        <a:scrgbClr r="0" g="0" b="0"/>
+      </a:lnRef>
+      <a:fillRef idx="1">
+        <a:scrgbClr r="0" g="0" b="0"/>
+      </a:fillRef>
+      <a:effectRef idx="0">
+        <a:scrgbClr r="0" g="0" b="0"/>
+      </a:effectRef>
+      <a:fontRef idx="minor">
+        <a:schemeClr val="lt1"/>
+      </a:fontRef>
+    </dgm:style>
+  </dgm:styleLbl>
+  <dgm:styleLbl name="asst2">
+    <dgm:scene3d>
+      <a:camera prst="orthographicFront"/>
+      <a:lightRig rig="threePt" dir="t"/>
+    </dgm:scene3d>
+    <dgm:sp3d/>
+    <dgm:txPr/>
+    <dgm:style>
+      <a:lnRef idx="2">
+        <a:scrgbClr r="0" g="0" b="0"/>
+      </a:lnRef>
+      <a:fillRef idx="1">
+        <a:scrgbClr r="0" g="0" b="0"/>
+      </a:fillRef>
+      <a:effectRef idx="0">
+        <a:scrgbClr r="0" g="0" b="0"/>
+      </a:effectRef>
+      <a:fontRef idx="minor">
+        <a:schemeClr val="lt1"/>
+      </a:fontRef>
+    </dgm:style>
+  </dgm:styleLbl>
+  <dgm:styleLbl name="asst3">
+    <dgm:scene3d>
+      <a:camera prst="orthographicFront"/>
+      <a:lightRig rig="threePt" dir="t"/>
+    </dgm:scene3d>
+    <dgm:sp3d/>
+    <dgm:txPr/>
+    <dgm:style>
+      <a:lnRef idx="2">
+        <a:scrgbClr r="0" g="0" b="0"/>
+      </a:lnRef>
+      <a:fillRef idx="1">
+        <a:scrgbClr r="0" g="0" b="0"/>
+      </a:fillRef>
+      <a:effectRef idx="0">
+        <a:scrgbClr r="0" g="0" b="0"/>
+      </a:effectRef>
+      <a:fontRef idx="minor">
+        <a:schemeClr val="lt1"/>
+      </a:fontRef>
+    </dgm:style>
+  </dgm:styleLbl>
+  <dgm:styleLbl name="asst4">
+    <dgm:scene3d>
+      <a:camera prst="orthographicFront"/>
+      <a:lightRig rig="threePt" dir="t"/>
+    </dgm:scene3d>
+    <dgm:sp3d/>
+    <dgm:txPr/>
+    <dgm:style>
+      <a:lnRef idx="2">
+        <a:scrgbClr r="0" g="0" b="0"/>
+      </a:lnRef>
+      <a:fillRef idx="1">
+        <a:scrgbClr r="0" g="0" b="0"/>
+      </a:fillRef>
+      <a:effectRef idx="0">
+        <a:scrgbClr r="0" g="0" b="0"/>
+      </a:effectRef>
+      <a:fontRef idx="minor">
+        <a:schemeClr val="lt1"/>
+      </a:fontRef>
+    </dgm:style>
+  </dgm:styleLbl>
+  <dgm:styleLbl name="parChTrans2D1">
+    <dgm:scene3d>
+      <a:camera prst="orthographicFront"/>
+      <a:lightRig rig="threePt" dir="t"/>
+    </dgm:scene3d>
+    <dgm:sp3d/>
+    <dgm:txPr/>
+    <dgm:style>
+      <a:lnRef idx="2">
+        <a:scrgbClr r="0" g="0" b="0"/>
+      </a:lnRef>
+      <a:fillRef idx="1">
+        <a:scrgbClr r="0" g="0" b="0"/>
+      </a:fillRef>
+      <a:effectRef idx="0">
+        <a:scrgbClr r="0" g="0" b="0"/>
+      </a:effectRef>
+      <a:fontRef idx="minor">
+        <a:schemeClr val="lt1"/>
+      </a:fontRef>
+    </dgm:style>
+  </dgm:styleLbl>
+  <dgm:styleLbl name="parChTrans2D2">
+    <dgm:scene3d>
+      <a:camera prst="orthographicFront"/>
+      <a:lightRig rig="threePt" dir="t"/>
+    </dgm:scene3d>
+    <dgm:sp3d/>
+    <dgm:txPr/>
+    <dgm:style>
+      <a:lnRef idx="2">
+        <a:scrgbClr r="0" g="0" b="0"/>
+      </a:lnRef>
+      <a:fillRef idx="1">
+        <a:scrgbClr r="0" g="0" b="0"/>
+      </a:fillRef>
+      <a:effectRef idx="0">
+        <a:scrgbClr r="0" g="0" b="0"/>
+      </a:effectRef>
+      <a:fontRef idx="minor">
+        <a:schemeClr val="lt1"/>
+      </a:fontRef>
+    </dgm:style>
+  </dgm:styleLbl>
+  <dgm:styleLbl name="parChTrans2D3">
+    <dgm:scene3d>
+      <a:camera prst="orthographicFront"/>
+      <a:lightRig rig="threePt" dir="t"/>
+    </dgm:scene3d>
+    <dgm:sp3d/>
+    <dgm:txPr/>
+    <dgm:style>
+      <a:lnRef idx="2">
+        <a:scrgbClr r="0" g="0" b="0"/>
+      </a:lnRef>
+      <a:fillRef idx="1">
+        <a:scrgbClr r="0" g="0" b="0"/>
+      </a:fillRef>
+      <a:effectRef idx="0">
+        <a:scrgbClr r="0" g="0" b="0"/>
+      </a:effectRef>
+      <a:fontRef idx="minor">
+        <a:schemeClr val="lt1"/>
+      </a:fontRef>
+    </dgm:style>
+  </dgm:styleLbl>
+  <dgm:styleLbl name="parChTrans2D4">
+    <dgm:scene3d>
+      <a:camera prst="orthographicFront"/>
+      <a:lightRig rig="threePt" dir="t"/>
+    </dgm:scene3d>
+    <dgm:sp3d/>
+    <dgm:txPr/>
+    <dgm:style>
+      <a:lnRef idx="2">
+        <a:scrgbClr r="0" g="0" b="0"/>
+      </a:lnRef>
+      <a:fillRef idx="1">
+        <a:scrgbClr r="0" g="0" b="0"/>
+      </a:fillRef>
+      <a:effectRef idx="0">
+        <a:scrgbClr r="0" g="0" b="0"/>
+      </a:effectRef>
+      <a:fontRef idx="minor">
+        <a:schemeClr val="lt1"/>
+      </a:fontRef>
+    </dgm:style>
+  </dgm:styleLbl>
+  <dgm:styleLbl name="parChTrans1D1">
+    <dgm:scene3d>
+      <a:camera prst="orthographicFront"/>
+      <a:lightRig rig="threePt" dir="t"/>
+    </dgm:scene3d>
+    <dgm:sp3d/>
+    <dgm:txPr/>
+    <dgm:style>
+      <a:lnRef idx="2">
+        <a:scrgbClr r="0" g="0" b="0"/>
+      </a:lnRef>
+      <a:fillRef idx="0">
+        <a:scrgbClr r="0" g="0" b="0"/>
+      </a:fillRef>
+      <a:effectRef idx="0">
+        <a:scrgbClr r="0" g="0" b="0"/>
+      </a:effectRef>
+      <a:fontRef idx="minor"/>
+    </dgm:style>
+  </dgm:styleLbl>
+  <dgm:styleLbl name="parChTrans1D2">
+    <dgm:scene3d>
+      <a:camera prst="orthographicFront"/>
+      <a:lightRig rig="threePt" dir="t"/>
+    </dgm:scene3d>
+    <dgm:sp3d/>
+    <dgm:txPr/>
+    <dgm:style>
+      <a:lnRef idx="2">
+        <a:scrgbClr r="0" g="0" b="0"/>
+      </a:lnRef>
+      <a:fillRef idx="0">
+        <a:scrgbClr r="0" g="0" b="0"/>
+      </a:fillRef>
+      <a:effectRef idx="0">
+        <a:scrgbClr r="0" g="0" b="0"/>
+      </a:effectRef>
+      <a:fontRef idx="minor"/>
+    </dgm:style>
+  </dgm:styleLbl>
+  <dgm:styleLbl name="parChTrans1D3">
+    <dgm:scene3d>
+      <a:camera prst="orthographicFront"/>
+      <a:lightRig rig="threePt" dir="t"/>
+    </dgm:scene3d>
+    <dgm:sp3d/>
+    <dgm:txPr/>
+    <dgm:style>
+      <a:lnRef idx="2">
+        <a:scrgbClr r="0" g="0" b="0"/>
+      </a:lnRef>
+      <a:fillRef idx="0">
+        <a:scrgbClr r="0" g="0" b="0"/>
+      </a:fillRef>
+      <a:effectRef idx="0">
+        <a:scrgbClr r="0" g="0" b="0"/>
+      </a:effectRef>
+      <a:fontRef idx="minor"/>
+    </dgm:style>
+  </dgm:styleLbl>
+  <dgm:styleLbl name="parChTrans1D4">
+    <dgm:scene3d>
+      <a:camera prst="orthographicFront"/>
+      <a:lightRig rig="threePt" dir="t"/>
+    </dgm:scene3d>
+    <dgm:sp3d/>
+    <dgm:txPr/>
+    <dgm:style>
+      <a:lnRef idx="2">
+        <a:scrgbClr r="0" g="0" b="0"/>
+      </a:lnRef>
+      <a:fillRef idx="0">
+        <a:scrgbClr r="0" g="0" b="0"/>
+      </a:fillRef>
+      <a:effectRef idx="0">
+        <a:scrgbClr r="0" g="0" b="0"/>
+      </a:effectRef>
+      <a:fontRef idx="minor"/>
+    </dgm:style>
+  </dgm:styleLbl>
+  <dgm:styleLbl name="fgAcc1">
+    <dgm:scene3d>
+      <a:camera prst="orthographicFront"/>
+      <a:lightRig rig="threePt" dir="t"/>
+    </dgm:scene3d>
+    <dgm:sp3d/>
+    <dgm:txPr/>
+    <dgm:style>
+      <a:lnRef idx="2">
+        <a:scrgbClr r="0" g="0" b="0"/>
+      </a:lnRef>
+      <a:fillRef idx="1">
+        <a:scrgbClr r="0" g="0" b="0"/>
+      </a:fillRef>
+      <a:effectRef idx="0">
+        <a:scrgbClr r="0" g="0" b="0"/>
+      </a:effectRef>
+      <a:fontRef idx="minor"/>
+    </dgm:style>
+  </dgm:styleLbl>
+  <dgm:styleLbl name="conFgAcc1">
+    <dgm:scene3d>
+      <a:camera prst="orthographicFront"/>
+      <a:lightRig rig="threePt" dir="t"/>
+    </dgm:scene3d>
+    <dgm:sp3d/>
+    <dgm:txPr/>
+    <dgm:style>
+      <a:lnRef idx="2">
+        <a:scrgbClr r="0" g="0" b="0"/>
+      </a:lnRef>
+      <a:fillRef idx="1">
+        <a:scrgbClr r="0" g="0" b="0"/>
+      </a:fillRef>
+      <a:effectRef idx="0">
+        <a:scrgbClr r="0" g="0" b="0"/>
+      </a:effectRef>
+      <a:fontRef idx="minor"/>
+    </dgm:style>
+  </dgm:styleLbl>
+  <dgm:styleLbl name="alignAcc1">
+    <dgm:scene3d>
+      <a:camera prst="orthographicFront"/>
+      <a:lightRig rig="threePt" dir="t"/>
+    </dgm:scene3d>
+    <dgm:sp3d/>
+    <dgm:txPr/>
+    <dgm:style>
+      <a:lnRef idx="2">
+        <a:scrgbClr r="0" g="0" b="0"/>
+      </a:lnRef>
+      <a:fillRef idx="1">
+        <a:scrgbClr r="0" g="0" b="0"/>
+      </a:fillRef>
+      <a:effectRef idx="0">
+        <a:scrgbClr r="0" g="0" b="0"/>
+      </a:effectRef>
+      <a:fontRef idx="minor"/>
+    </dgm:style>
+  </dgm:styleLbl>
+  <dgm:styleLbl name="trAlignAcc1">
+    <dgm:scene3d>
+      <a:camera prst="orthographicFront"/>
+      <a:lightRig rig="threePt" dir="t"/>
+    </dgm:scene3d>
+    <dgm:sp3d/>
+    <dgm:txPr/>
+    <dgm:style>
+      <a:lnRef idx="1">
+        <a:scrgbClr r="0" g="0" b="0"/>
+      </a:lnRef>
+      <a:fillRef idx="1">
+        <a:scrgbClr r="0" g="0" b="0"/>
+      </a:fillRef>
+      <a:effectRef idx="0">
+        <a:scrgbClr r="0" g="0" b="0"/>
+      </a:effectRef>
+      <a:fontRef idx="minor"/>
+    </dgm:style>
+  </dgm:styleLbl>
+  <dgm:styleLbl name="bgAcc1">
+    <dgm:scene3d>
+      <a:camera prst="orthographicFront"/>
+      <a:lightRig rig="threePt" dir="t"/>
+    </dgm:scene3d>
+    <dgm:sp3d/>
+    <dgm:txPr/>
+    <dgm:style>
+      <a:lnRef idx="2">
+        <a:scrgbClr r="0" g="0" b="0"/>
+      </a:lnRef>
+      <a:fillRef idx="1">
+        <a:scrgbClr r="0" g="0" b="0"/>
+      </a:fillRef>
+      <a:effectRef idx="0">
+        <a:scrgbClr r="0" g="0" b="0"/>
+      </a:effectRef>
+      <a:fontRef idx="minor"/>
+    </dgm:style>
+  </dgm:styleLbl>
+  <dgm:styleLbl name="solidFgAcc1">
+    <dgm:scene3d>
+      <a:camera prst="orthographicFront"/>
+      <a:lightRig rig="threePt" dir="t"/>
+    </dgm:scene3d>
+    <dgm:sp3d/>
+    <dgm:txPr/>
+    <dgm:style>
+      <a:lnRef idx="2">
+        <a:scrgbClr r="0" g="0" b="0"/>
+      </a:lnRef>
+      <a:fillRef idx="1">
+        <a:scrgbClr r="0" g="0" b="0"/>
+      </a:fillRef>
+      <a:effectRef idx="0">
+        <a:scrgbClr r="0" g="0" b="0"/>
+      </a:effectRef>
+      <a:fontRef idx="minor"/>
+    </dgm:style>
+  </dgm:styleLbl>
+  <dgm:styleLbl name="solidAlignAcc1">
+    <dgm:scene3d>
+      <a:camera prst="orthographicFront"/>
+      <a:lightRig rig="threePt" dir="t"/>
+    </dgm:scene3d>
+    <dgm:sp3d/>
+    <dgm:txPr/>
+    <dgm:style>
+      <a:lnRef idx="2">
+        <a:scrgbClr r="0" g="0" b="0"/>
+      </a:lnRef>
+      <a:fillRef idx="1">
+        <a:scrgbClr r="0" g="0" b="0"/>
+      </a:fillRef>
+      <a:effectRef idx="0">
+        <a:scrgbClr r="0" g="0" b="0"/>
+      </a:effectRef>
+      <a:fontRef idx="minor"/>
+    </dgm:style>
+  </dgm:styleLbl>
+  <dgm:styleLbl name="solidBgAcc1">
+    <dgm:scene3d>
+      <a:camera prst="orthographicFront"/>
+      <a:lightRig rig="threePt" dir="t"/>
+    </dgm:scene3d>
+    <dgm:sp3d/>
+    <dgm:txPr/>
+    <dgm:style>
+      <a:lnRef idx="2">
+        <a:scrgbClr r="0" g="0" b="0"/>
+      </a:lnRef>
+      <a:fillRef idx="1">
+        <a:scrgbClr r="0" g="0" b="0"/>
+      </a:fillRef>
+      <a:effectRef idx="0">
+        <a:scrgbClr r="0" g="0" b="0"/>
+      </a:effectRef>
+      <a:fontRef idx="minor"/>
+    </dgm:style>
+  </dgm:styleLbl>
+  <dgm:styleLbl name="fgAccFollowNode1">
+    <dgm:scene3d>
+      <a:camera prst="orthographicFront"/>
+      <a:lightRig rig="threePt" dir="t"/>
+    </dgm:scene3d>
+    <dgm:sp3d/>
+    <dgm:txPr/>
+    <dgm:style>
+      <a:lnRef idx="2">
+        <a:scrgbClr r="0" g="0" b="0"/>
+      </a:lnRef>
+      <a:fillRef idx="1">
+        <a:scrgbClr r="0" g="0" b="0"/>
+      </a:fillRef>
+      <a:effectRef idx="0">
+        <a:scrgbClr r="0" g="0" b="0"/>
+      </a:effectRef>
+      <a:fontRef idx="minor"/>
+    </dgm:style>
+  </dgm:styleLbl>
+  <dgm:styleLbl name="alignAccFollowNode1">
+    <dgm:scene3d>
+      <a:camera prst="orthographicFront"/>
+      <a:lightRig rig="threePt" dir="t"/>
+    </dgm:scene3d>
+    <dgm:sp3d/>
+    <dgm:txPr/>
+    <dgm:style>
+      <a:lnRef idx="2">
+        <a:scrgbClr r="0" g="0" b="0"/>
+      </a:lnRef>
+      <a:fillRef idx="1">
+        <a:scrgbClr r="0" g="0" b="0"/>
+      </a:fillRef>
+      <a:effectRef idx="0">
+        <a:scrgbClr r="0" g="0" b="0"/>
+      </a:effectRef>
+      <a:fontRef idx="minor"/>
+    </dgm:style>
+  </dgm:styleLbl>
+  <dgm:styleLbl name="bgAccFollowNode1">
+    <dgm:scene3d>
+      <a:camera prst="orthographicFront"/>
+      <a:lightRig rig="threePt" dir="t"/>
+    </dgm:scene3d>
+    <dgm:sp3d/>
+    <dgm:txPr/>
+    <dgm:style>
+      <a:lnRef idx="2">
+        <a:scrgbClr r="0" g="0" b="0"/>
+      </a:lnRef>
+      <a:fillRef idx="1">
+        <a:scrgbClr r="0" g="0" b="0"/>
+      </a:fillRef>
+      <a:effectRef idx="0">
+        <a:scrgbClr r="0" g="0" b="0"/>
+      </a:effectRef>
+      <a:fontRef idx="minor"/>
+    </dgm:style>
+  </dgm:styleLbl>
+  <dgm:styleLbl name="fgAcc0">
+    <dgm:scene3d>
+      <a:camera prst="orthographicFront"/>
+      <a:lightRig rig="threePt" dir="t"/>
+    </dgm:scene3d>
+    <dgm:sp3d/>
+    <dgm:txPr/>
+    <dgm:style>
+      <a:lnRef idx="2">
+        <a:scrgbClr r="0" g="0" b="0"/>
+      </a:lnRef>
+      <a:fillRef idx="1">
+        <a:scrgbClr r="0" g="0" b="0"/>
+      </a:fillRef>
+      <a:effectRef idx="0">
+        <a:scrgbClr r="0" g="0" b="0"/>
+      </a:effectRef>
+      <a:fontRef idx="minor"/>
+    </dgm:style>
+  </dgm:styleLbl>
+  <dgm:styleLbl name="fgAcc2">
+    <dgm:scene3d>
+      <a:camera prst="orthographicFront"/>
+      <a:lightRig rig="threePt" dir="t"/>
+    </dgm:scene3d>
+    <dgm:sp3d/>
+    <dgm:txPr/>
+    <dgm:style>
+      <a:lnRef idx="2">
+        <a:scrgbClr r="0" g="0" b="0"/>
+      </a:lnRef>
+      <a:fillRef idx="1">
+        <a:scrgbClr r="0" g="0" b="0"/>
+      </a:fillRef>
+      <a:effectRef idx="0">
+        <a:scrgbClr r="0" g="0" b="0"/>
+      </a:effectRef>
+      <a:fontRef idx="minor"/>
+    </dgm:style>
+  </dgm:styleLbl>
+  <dgm:styleLbl name="fgAcc3">
+    <dgm:scene3d>
+      <a:camera prst="orthographicFront"/>
+      <a:lightRig rig="threePt" dir="t"/>
+    </dgm:scene3d>
+    <dgm:sp3d/>
+    <dgm:txPr/>
+    <dgm:style>
+      <a:lnRef idx="2">
+        <a:scrgbClr r="0" g="0" b="0"/>
+      </a:lnRef>
+      <a:fillRef idx="1">
+        <a:scrgbClr r="0" g="0" b="0"/>
+      </a:fillRef>
+      <a:effectRef idx="0">
+        <a:scrgbClr r="0" g="0" b="0"/>
+      </a:effectRef>
+      <a:fontRef idx="minor"/>
+    </dgm:style>
+  </dgm:styleLbl>
+  <dgm:styleLbl name="fgAcc4">
+    <dgm:scene3d>
+      <a:camera prst="orthographicFront"/>
+      <a:lightRig rig="threePt" dir="t"/>
+    </dgm:scene3d>
+    <dgm:sp3d/>
+    <dgm:txPr/>
+    <dgm:style>
+      <a:lnRef idx="2">
+        <a:scrgbClr r="0" g="0" b="0"/>
+      </a:lnRef>
+      <a:fillRef idx="1">
+        <a:scrgbClr r="0" g="0" b="0"/>
+      </a:fillRef>
+      <a:effectRef idx="0">
+        <a:scrgbClr r="0" g="0" b="0"/>
+      </a:effectRef>
+      <a:fontRef idx="minor"/>
+    </dgm:style>
+  </dgm:styleLbl>
+  <dgm:styleLbl name="bgShp">
+    <dgm:scene3d>
+      <a:camera prst="orthographicFront"/>
+      <a:lightRig rig="threePt" dir="t"/>
+    </dgm:scene3d>
+    <dgm:sp3d/>
+    <dgm:txPr/>
+    <dgm:style>
+      <a:lnRef idx="0">
+        <a:scrgbClr r="0" g="0" b="0"/>
+      </a:lnRef>
+      <a:fillRef idx="1">
+        <a:scrgbClr r="0" g="0" b="0"/>
+      </a:fillRef>
+      <a:effectRef idx="0">
+        <a:scrgbClr r="0" g="0" b="0"/>
+      </a:effectRef>
+      <a:fontRef idx="minor"/>
+    </dgm:style>
+  </dgm:styleLbl>
+  <dgm:styleLbl name="dkBgShp">
+    <dgm:scene3d>
+      <a:camera prst="orthographicFront"/>
+      <a:lightRig rig="threePt" dir="t"/>
+    </dgm:scene3d>
+    <dgm:sp3d/>
+    <dgm:txPr/>
+    <dgm:style>
+      <a:lnRef idx="0">
+        <a:scrgbClr r="0" g="0" b="0"/>
+      </a:lnRef>
+      <a:fillRef idx="1">
+        <a:scrgbClr r="0" g="0" b="0"/>
+      </a:fillRef>
+      <a:effectRef idx="0">
+        <a:scrgbClr r="0" g="0" b="0"/>
+      </a:effectRef>
+      <a:fontRef idx="minor"/>
+    </dgm:style>
+  </dgm:styleLbl>
+  <dgm:styleLbl name="trBgShp">
+    <dgm:scene3d>
+      <a:camera prst="orthographicFront"/>
+      <a:lightRig rig="threePt" dir="t"/>
+    </dgm:scene3d>
+    <dgm:sp3d/>
+    <dgm:txPr/>
+    <dgm:style>
+      <a:lnRef idx="0">
+        <a:scrgbClr r="0" g="0" b="0"/>
+      </a:lnRef>
+      <a:fillRef idx="1">
+        <a:scrgbClr r="0" g="0" b="0"/>
+      </a:fillRef>
+      <a:effectRef idx="0">
+        <a:scrgbClr r="0" g="0" b="0"/>
+      </a:effectRef>
+      <a:fontRef idx="minor"/>
+    </dgm:style>
+  </dgm:styleLbl>
+  <dgm:styleLbl name="fgShp">
+    <dgm:scene3d>
+      <a:camera prst="orthographicFront"/>
+      <a:lightRig rig="threePt" dir="t"/>
+    </dgm:scene3d>
+    <dgm:sp3d/>
+    <dgm:txPr/>
+    <dgm:style>
+      <a:lnRef idx="2">
+        <a:scrgbClr r="0" g="0" b="0"/>
+      </a:lnRef>
+      <a:fillRef idx="1">
+        <a:scrgbClr r="0" g="0" b="0"/>
+      </a:fillRef>
+      <a:effectRef idx="0">
+        <a:scrgbClr r="0" g="0" b="0"/>
+      </a:effectRef>
+      <a:fontRef idx="minor"/>
+    </dgm:style>
+  </dgm:styleLbl>
+  <dgm:styleLbl name="revTx">
+    <dgm:scene3d>
+      <a:camera prst="orthographicFront"/>
+      <a:lightRig rig="threePt" dir="t"/>
+    </dgm:scene3d>
+    <dgm:sp3d/>
+    <dgm:txPr/>
+    <dgm:style>
+      <a:lnRef idx="0">
+        <a:scrgbClr r="0" g="0" b="0"/>
+      </a:lnRef>
+      <a:fillRef idx="0">
+        <a:scrgbClr r="0" g="0" b="0"/>
+      </a:fillRef>
+      <a:effectRef idx="0">
+        <a:scrgbClr r="0" g="0" b="0"/>
+      </a:effectRef>
+      <a:fontRef idx="minor"/>
+    </dgm:style>
+  </dgm:styleLbl>
+</dgm:styleDef>
+</file>
+
 <file path=ppt/handoutMasters/handoutMaster1.xml><?xml version="1.0" encoding="utf-8"?>
 <p:handoutMaster xmlns:a="http://schemas.openxmlformats.org/drawingml/2006/main" xmlns:r="http://schemas.openxmlformats.org/officeDocument/2006/relationships" xmlns:p="http://schemas.openxmlformats.org/presentationml/2006/main">
   <p:cSld>
@@ -240,7 +3358,10 @@
             </a:lvl1pPr>
           </a:lstStyle>
           <a:p>
-            <a:endParaRPr lang="nl-NL"/>
+            <a:r>
+              <a:rPr lang="nl-NL"/>
+              <a:t>000</a:t>
+            </a:r>
           </a:p>
         </p:txBody>
       </p:sp>
@@ -287,6 +3408,7 @@
     </p:extLst>
   </p:cSld>
   <p:clrMap bg1="lt1" tx1="dk1" bg2="lt2" tx2="dk2" accent1="accent1" accent2="accent2" accent3="accent3" accent4="accent4" accent5="accent5" accent6="accent6" hlink="hlink" folHlink="folHlink"/>
+  <p:hf hdr="0" dt="0"/>
 </p:handoutMaster>
 </file>
 
@@ -497,7 +3619,10 @@
             </a:lvl1pPr>
           </a:lstStyle>
           <a:p>
-            <a:endParaRPr lang="nl-NL"/>
+            <a:r>
+              <a:rPr lang="nl-NL"/>
+              <a:t>000</a:t>
+            </a:r>
           </a:p>
         </p:txBody>
       </p:sp>
@@ -544,6 +3669,7 @@
     </p:extLst>
   </p:cSld>
   <p:clrMap bg1="lt1" tx1="dk1" bg2="lt2" tx2="dk2" accent1="accent1" accent2="accent2" accent3="accent3" accent4="accent4" accent5="accent5" accent6="accent6" hlink="hlink" folHlink="folHlink"/>
+  <p:hf hdr="0" dt="0"/>
   <p:notesStyle>
     <a:lvl1pPr marL="0" algn="l" defTabSz="914400" rtl="0" eaLnBrk="1" latinLnBrk="0" hangingPunct="1">
       <a:defRPr sz="1200" kern="1200">
@@ -5086,10 +8212,10 @@
       </p:grpSpPr>
       <p:sp>
         <p:nvSpPr>
-          <p:cNvPr id="2" name="Date Placeholder 1">
+          <p:cNvPr id="3" name="Text Placeholder 2">
             <a:extLst>
               <a:ext uri="{FF2B5EF4-FFF2-40B4-BE49-F238E27FC236}">
-                <a16:creationId xmlns:a16="http://schemas.microsoft.com/office/drawing/2014/main" id="{99462A1E-B9E8-4859-8238-BE0612E01C90}"/>
+                <a16:creationId xmlns:a16="http://schemas.microsoft.com/office/drawing/2014/main" id="{3DE32925-CF01-43C3-A5DD-EB2A18C3547F}"/>
               </a:ext>
             </a:extLst>
           </p:cNvPr>
@@ -5097,149 +8223,13 @@
             <a:spLocks noGrp="1"/>
           </p:cNvSpPr>
           <p:nvPr>
-            <p:ph type="dt" sz="half" idx="10"/>
+            <p:ph type="body" idx="1"/>
           </p:nvPr>
         </p:nvSpPr>
         <p:spPr/>
         <p:txBody>
           <a:bodyPr/>
           <a:lstStyle/>
-          <a:p>
-            <a:fld id="{1C992260-3318-495F-92A7-10712F5BECF0}" type="datetime1">
-              <a:rPr lang="en-GB" smtClean="0"/>
-              <a:t>20/06/2021</a:t>
-            </a:fld>
-            <a:endParaRPr lang="nl-NL"/>
-          </a:p>
-        </p:txBody>
-      </p:sp>
-      <p:sp>
-        <p:nvSpPr>
-          <p:cNvPr id="3" name="Footer Placeholder 2">
-            <a:extLst>
-              <a:ext uri="{FF2B5EF4-FFF2-40B4-BE49-F238E27FC236}">
-                <a16:creationId xmlns:a16="http://schemas.microsoft.com/office/drawing/2014/main" id="{7323630C-82D2-4113-BB21-DD9BF00038E3}"/>
-              </a:ext>
-            </a:extLst>
-          </p:cNvPr>
-          <p:cNvSpPr>
-            <a:spLocks noGrp="1"/>
-          </p:cNvSpPr>
-          <p:nvPr>
-            <p:ph type="ftr" sz="quarter" idx="11"/>
-          </p:nvPr>
-        </p:nvSpPr>
-        <p:spPr/>
-        <p:txBody>
-          <a:bodyPr/>
-          <a:lstStyle/>
-          <a:p>
-            <a:r>
-              <a:rPr lang="nl-NL"/>
-              <a:t>Faculty Engineering Science</a:t>
-            </a:r>
-          </a:p>
-        </p:txBody>
-      </p:sp>
-      <p:sp>
-        <p:nvSpPr>
-          <p:cNvPr id="4" name="Slide Number Placeholder 3">
-            <a:extLst>
-              <a:ext uri="{FF2B5EF4-FFF2-40B4-BE49-F238E27FC236}">
-                <a16:creationId xmlns:a16="http://schemas.microsoft.com/office/drawing/2014/main" id="{45327932-1682-45F6-BD50-3B803277FD55}"/>
-              </a:ext>
-            </a:extLst>
-          </p:cNvPr>
-          <p:cNvSpPr>
-            <a:spLocks noGrp="1"/>
-          </p:cNvSpPr>
-          <p:nvPr>
-            <p:ph type="sldNum" sz="quarter" idx="12"/>
-          </p:nvPr>
-        </p:nvSpPr>
-        <p:spPr/>
-        <p:txBody>
-          <a:bodyPr/>
-          <a:lstStyle/>
-          <a:p>
-            <a:fld id="{CF179DAE-D0A6-40C3-B8BC-6A97C268D03A}" type="slidenum">
-              <a:rPr lang="nl-NL" smtClean="0"/>
-              <a:t>2</a:t>
-            </a:fld>
-            <a:endParaRPr lang="nl-NL"/>
-          </a:p>
-        </p:txBody>
-      </p:sp>
-      <p:sp>
-        <p:nvSpPr>
-          <p:cNvPr id="5" name="Title 4">
-            <a:extLst>
-              <a:ext uri="{FF2B5EF4-FFF2-40B4-BE49-F238E27FC236}">
-                <a16:creationId xmlns:a16="http://schemas.microsoft.com/office/drawing/2014/main" id="{1FF23B02-3023-4C09-B6FD-FDCB3EEC8B38}"/>
-              </a:ext>
-            </a:extLst>
-          </p:cNvPr>
-          <p:cNvSpPr>
-            <a:spLocks noGrp="1"/>
-          </p:cNvSpPr>
-          <p:nvPr>
-            <p:ph type="title"/>
-          </p:nvPr>
-        </p:nvSpPr>
-        <p:spPr>
-          <a:xfrm>
-            <a:off x="576003" y="1800000"/>
-            <a:ext cx="8333999" cy="1180592"/>
-          </a:xfrm>
-        </p:spPr>
-        <p:txBody>
-          <a:bodyPr/>
-          <a:lstStyle/>
-          <a:p>
-            <a:r>
-              <a:rPr lang="en-GB" dirty="0"/>
-              <a:t>Agenda</a:t>
-            </a:r>
-          </a:p>
-        </p:txBody>
-      </p:sp>
-      <p:sp>
-        <p:nvSpPr>
-          <p:cNvPr id="6" name="Text Placeholder 5">
-            <a:extLst>
-              <a:ext uri="{FF2B5EF4-FFF2-40B4-BE49-F238E27FC236}">
-                <a16:creationId xmlns:a16="http://schemas.microsoft.com/office/drawing/2014/main" id="{4AA756B5-FEC2-4894-AE0F-D0A25C898CD9}"/>
-              </a:ext>
-            </a:extLst>
-          </p:cNvPr>
-          <p:cNvSpPr>
-            <a:spLocks noGrp="1"/>
-          </p:cNvSpPr>
-          <p:nvPr>
-            <p:ph type="body" idx="1"/>
-          </p:nvPr>
-        </p:nvSpPr>
-        <p:spPr>
-          <a:xfrm>
-            <a:off x="576003" y="3138854"/>
-            <a:ext cx="8333999" cy="2721947"/>
-          </a:xfrm>
-        </p:spPr>
-        <p:txBody>
-          <a:bodyPr>
-            <a:normAutofit lnSpcReduction="10000"/>
-          </a:bodyPr>
-          <a:lstStyle/>
-          <a:p>
-            <a:pPr marL="342900" indent="-342900">
-              <a:buFont typeface="Arial" panose="020B0604020202020204" pitchFamily="34" charset="0"/>
-              <a:buChar char="•"/>
-            </a:pPr>
-            <a:r>
-              <a:rPr lang="en-GB" sz="3200" b="1" u="sng" dirty="0"/>
-              <a:t>Introduction</a:t>
-            </a:r>
-          </a:p>
           <a:p>
             <a:pPr marL="342900" indent="-342900">
               <a:buFont typeface="Arial" panose="020B0604020202020204" pitchFamily="34" charset="0"/>
@@ -5247,62 +8237,206 @@
             </a:pPr>
             <a:r>
               <a:rPr lang="en-GB" dirty="0"/>
-              <a:t>Research question</a:t>
+              <a:t>Distribution grid</a:t>
             </a:r>
           </a:p>
-          <a:p>
-            <a:pPr marL="342900" indent="-342900">
-              <a:buFont typeface="Arial" panose="020B0604020202020204" pitchFamily="34" charset="0"/>
-              <a:buChar char="•"/>
-            </a:pPr>
+        </p:txBody>
+      </p:sp>
+      <p:sp>
+        <p:nvSpPr>
+          <p:cNvPr id="4" name="Date Placeholder 3">
+            <a:extLst>
+              <a:ext uri="{FF2B5EF4-FFF2-40B4-BE49-F238E27FC236}">
+                <a16:creationId xmlns:a16="http://schemas.microsoft.com/office/drawing/2014/main" id="{F8DB896B-2D2A-4C41-B19D-6D8DB30E51A2}"/>
+              </a:ext>
+            </a:extLst>
+          </p:cNvPr>
+          <p:cNvSpPr>
+            <a:spLocks noGrp="1"/>
+          </p:cNvSpPr>
+          <p:nvPr>
+            <p:ph type="dt" sz="half" idx="10"/>
+          </p:nvPr>
+        </p:nvSpPr>
+        <p:spPr/>
+        <p:txBody>
+          <a:bodyPr/>
+          <a:lstStyle/>
+          <a:p>
+            <a:fld id="{52BE9EDA-CE38-4667-AC05-F96AB25832B0}" type="datetime1">
+              <a:rPr lang="en-GB" smtClean="0"/>
+              <a:t>20/06/2021</a:t>
+            </a:fld>
+            <a:endParaRPr lang="nl-NL" dirty="0"/>
+          </a:p>
+        </p:txBody>
+      </p:sp>
+      <p:sp>
+        <p:nvSpPr>
+          <p:cNvPr id="5" name="Footer Placeholder 4">
+            <a:extLst>
+              <a:ext uri="{FF2B5EF4-FFF2-40B4-BE49-F238E27FC236}">
+                <a16:creationId xmlns:a16="http://schemas.microsoft.com/office/drawing/2014/main" id="{AD712CB1-D26A-4B12-9FCF-E395E6AC4504}"/>
+              </a:ext>
+            </a:extLst>
+          </p:cNvPr>
+          <p:cNvSpPr>
+            <a:spLocks noGrp="1"/>
+          </p:cNvSpPr>
+          <p:nvPr>
+            <p:ph type="ftr" sz="quarter" idx="11"/>
+          </p:nvPr>
+        </p:nvSpPr>
+        <p:spPr/>
+        <p:txBody>
+          <a:bodyPr/>
+          <a:lstStyle/>
+          <a:p>
             <a:r>
-              <a:rPr lang="en-GB" dirty="0"/>
-              <a:t>Methodology</a:t>
+              <a:rPr lang="nl-NL"/>
+              <a:t>Faculty Engineering Science</a:t>
             </a:r>
           </a:p>
-          <a:p>
-            <a:pPr marL="342900" indent="-342900">
-              <a:buFont typeface="Arial" panose="020B0604020202020204" pitchFamily="34" charset="0"/>
-              <a:buChar char="•"/>
-            </a:pPr>
+        </p:txBody>
+      </p:sp>
+      <p:sp>
+        <p:nvSpPr>
+          <p:cNvPr id="6" name="Slide Number Placeholder 5">
+            <a:extLst>
+              <a:ext uri="{FF2B5EF4-FFF2-40B4-BE49-F238E27FC236}">
+                <a16:creationId xmlns:a16="http://schemas.microsoft.com/office/drawing/2014/main" id="{D27E2230-7401-4159-8CAA-785560192603}"/>
+              </a:ext>
+            </a:extLst>
+          </p:cNvPr>
+          <p:cNvSpPr>
+            <a:spLocks noGrp="1"/>
+          </p:cNvSpPr>
+          <p:nvPr>
+            <p:ph type="sldNum" sz="quarter" idx="12"/>
+          </p:nvPr>
+        </p:nvSpPr>
+        <p:spPr/>
+        <p:txBody>
+          <a:bodyPr/>
+          <a:lstStyle/>
+          <a:p>
+            <a:fld id="{0A297500-7527-634B-90F4-69D0994C32B4}" type="slidenum">
+              <a:rPr lang="nl-NL" smtClean="0"/>
+              <a:t>2</a:t>
+            </a:fld>
+            <a:endParaRPr lang="nl-NL"/>
+          </a:p>
+        </p:txBody>
+      </p:sp>
+      <p:pic>
+        <p:nvPicPr>
+          <p:cNvPr id="8" name="Content Placeholder 9" descr="A road with power lines&#10;&#10;Description automatically generated with low confidence">
+            <a:extLst>
+              <a:ext uri="{FF2B5EF4-FFF2-40B4-BE49-F238E27FC236}">
+                <a16:creationId xmlns:a16="http://schemas.microsoft.com/office/drawing/2014/main" id="{2ED4C28D-4E87-49C1-83A4-F700D97E136E}"/>
+              </a:ext>
+              <a:ext uri="{C183D7F6-B498-43B3-948B-1728B52AA6E4}">
+                <adec:decorative xmlns:adec="http://schemas.microsoft.com/office/drawing/2017/decorative" val="0"/>
+              </a:ext>
+            </a:extLst>
+          </p:cNvPr>
+          <p:cNvPicPr>
+            <a:picLocks noGrp="1" noChangeAspect="1"/>
+          </p:cNvPicPr>
+          <p:nvPr>
+            <p:ph type="pic" sz="quarter" idx="13"/>
+          </p:nvPr>
+        </p:nvPicPr>
+        <p:blipFill>
+          <a:blip r:embed="rId2"/>
+          <a:srcRect l="21094" r="21094"/>
+          <a:stretch>
+            <a:fillRect/>
+          </a:stretch>
+        </p:blipFill>
+        <p:spPr>
+          <a:xfrm>
+            <a:off x="7546019" y="596680"/>
+            <a:ext cx="4239981" cy="5040313"/>
+          </a:xfrm>
+        </p:spPr>
+      </p:pic>
+      <p:pic>
+        <p:nvPicPr>
+          <p:cNvPr id="10" name="Picture 9" descr="Diagram&#10;&#10;Description automatically generated">
+            <a:extLst>
+              <a:ext uri="{FF2B5EF4-FFF2-40B4-BE49-F238E27FC236}">
+                <a16:creationId xmlns:a16="http://schemas.microsoft.com/office/drawing/2014/main" id="{BD4CEAEF-AAC2-47DB-AED3-C7B0C563F2D2}"/>
+              </a:ext>
+            </a:extLst>
+          </p:cNvPr>
+          <p:cNvPicPr>
+            <a:picLocks noChangeAspect="1"/>
+          </p:cNvPicPr>
+          <p:nvPr/>
+        </p:nvPicPr>
+        <p:blipFill>
+          <a:blip r:embed="rId3"/>
+          <a:stretch>
+            <a:fillRect/>
+          </a:stretch>
+        </p:blipFill>
+        <p:spPr>
+          <a:xfrm>
+            <a:off x="1359558" y="506027"/>
+            <a:ext cx="4354891" cy="3635074"/>
+          </a:xfrm>
+          <a:prstGeom prst="rect">
+            <a:avLst/>
+          </a:prstGeom>
+        </p:spPr>
+      </p:pic>
+      <p:sp>
+        <p:nvSpPr>
+          <p:cNvPr id="12" name="TextBox 11">
+            <a:extLst>
+              <a:ext uri="{FF2B5EF4-FFF2-40B4-BE49-F238E27FC236}">
+                <a16:creationId xmlns:a16="http://schemas.microsoft.com/office/drawing/2014/main" id="{8FE1816D-7ED3-4BEF-A700-6EC909855D67}"/>
+              </a:ext>
+            </a:extLst>
+          </p:cNvPr>
+          <p:cNvSpPr txBox="1"/>
+          <p:nvPr/>
+        </p:nvSpPr>
+        <p:spPr>
+          <a:xfrm>
+            <a:off x="7546019" y="237414"/>
+            <a:ext cx="4239981" cy="369332"/>
+          </a:xfrm>
+          <a:prstGeom prst="rect">
+            <a:avLst/>
+          </a:prstGeom>
+          <a:noFill/>
+        </p:spPr>
+        <p:txBody>
+          <a:bodyPr wrap="square" rtlCol="0">
+            <a:spAutoFit/>
+          </a:bodyPr>
+          <a:lstStyle/>
+          <a:p>
+            <a:pPr algn="ctr"/>
             <a:r>
-              <a:rPr lang="en-GB" dirty="0"/>
-              <a:t>Literature review</a:t>
+              <a:rPr lang="en-GB" dirty="0">
+                <a:solidFill>
+                  <a:schemeClr val="tx1">
+                    <a:lumMod val="50000"/>
+                  </a:schemeClr>
+                </a:solidFill>
+              </a:rPr>
+              <a:t>Distribution lines </a:t>
             </a:r>
-          </a:p>
-          <a:p>
-            <a:pPr marL="342900" indent="-342900">
-              <a:buFont typeface="Arial" panose="020B0604020202020204" pitchFamily="34" charset="0"/>
-              <a:buChar char="•"/>
-            </a:pPr>
-            <a:r>
-              <a:rPr lang="en-GB" dirty="0"/>
-              <a:t>Results </a:t>
-            </a:r>
-          </a:p>
-          <a:p>
-            <a:pPr marL="342900" indent="-342900">
-              <a:buFont typeface="Arial" panose="020B0604020202020204" pitchFamily="34" charset="0"/>
-              <a:buChar char="•"/>
-            </a:pPr>
-            <a:r>
-              <a:rPr lang="en-GB" dirty="0"/>
-              <a:t>Conclusion</a:t>
-            </a:r>
-          </a:p>
-          <a:p>
-            <a:pPr marL="342900" indent="-342900">
-              <a:buFont typeface="Arial" panose="020B0604020202020204" pitchFamily="34" charset="0"/>
-              <a:buChar char="•"/>
-            </a:pPr>
-            <a:endParaRPr lang="en-GB" dirty="0"/>
           </a:p>
         </p:txBody>
       </p:sp>
     </p:spTree>
     <p:extLst>
       <p:ext uri="{BB962C8B-B14F-4D97-AF65-F5344CB8AC3E}">
-        <p14:creationId xmlns:p14="http://schemas.microsoft.com/office/powerpoint/2010/main" val="4032929500"/>
+        <p14:creationId xmlns:p14="http://schemas.microsoft.com/office/powerpoint/2010/main" val="465886008"/>
       </p:ext>
     </p:extLst>
   </p:cSld>
@@ -5331,31 +8465,6 @@
       </p:grpSpPr>
       <p:sp>
         <p:nvSpPr>
-          <p:cNvPr id="2" name="Content Placeholder 1">
-            <a:extLst>
-              <a:ext uri="{FF2B5EF4-FFF2-40B4-BE49-F238E27FC236}">
-                <a16:creationId xmlns:a16="http://schemas.microsoft.com/office/drawing/2014/main" id="{9B30B57E-FB28-4FBC-B9F4-9B5E104D844C}"/>
-              </a:ext>
-            </a:extLst>
-          </p:cNvPr>
-          <p:cNvSpPr>
-            <a:spLocks noGrp="1"/>
-          </p:cNvSpPr>
-          <p:nvPr>
-            <p:ph idx="1"/>
-          </p:nvPr>
-        </p:nvSpPr>
-        <p:spPr/>
-        <p:txBody>
-          <a:bodyPr/>
-          <a:lstStyle/>
-          <a:p>
-            <a:endParaRPr lang="en-GB" dirty="0"/>
-          </a:p>
-        </p:txBody>
-      </p:sp>
-      <p:sp>
-        <p:nvSpPr>
           <p:cNvPr id="3" name="Date Placeholder 2">
             <a:extLst>
               <a:ext uri="{FF2B5EF4-FFF2-40B4-BE49-F238E27FC236}">
@@ -5456,22 +8565,55 @@
             <p:ph type="title"/>
           </p:nvPr>
         </p:nvSpPr>
-        <p:spPr/>
+        <p:spPr>
+          <a:xfrm>
+            <a:off x="575400" y="207036"/>
+            <a:ext cx="11041200" cy="1152000"/>
+          </a:xfrm>
+        </p:spPr>
         <p:txBody>
           <a:bodyPr/>
           <a:lstStyle/>
           <a:p>
             <a:r>
               <a:rPr lang="en-GB" dirty="0"/>
-              <a:t>Take away message</a:t>
+              <a:t>Time line</a:t>
             </a:r>
           </a:p>
         </p:txBody>
       </p:sp>
+      <p:graphicFrame>
+        <p:nvGraphicFramePr>
+          <p:cNvPr id="9" name="Diagram 8">
+            <a:extLst>
+              <a:ext uri="{FF2B5EF4-FFF2-40B4-BE49-F238E27FC236}">
+                <a16:creationId xmlns:a16="http://schemas.microsoft.com/office/drawing/2014/main" id="{BB313088-2EFC-42CD-81CB-C9D83CE85CF6}"/>
+              </a:ext>
+            </a:extLst>
+          </p:cNvPr>
+          <p:cNvGraphicFramePr/>
+          <p:nvPr>
+            <p:extLst>
+              <p:ext uri="{D42A27DB-BD31-4B8C-83A1-F6EECF244321}">
+                <p14:modId xmlns:p14="http://schemas.microsoft.com/office/powerpoint/2010/main" val="2759781064"/>
+              </p:ext>
+            </p:extLst>
+          </p:nvPr>
+        </p:nvGraphicFramePr>
+        <p:xfrm>
+          <a:off x="1026101" y="719666"/>
+          <a:ext cx="10014998" cy="5418667"/>
+        </p:xfrm>
+        <a:graphic>
+          <a:graphicData uri="http://schemas.openxmlformats.org/drawingml/2006/diagram">
+            <dgm:relIds xmlns:dgm="http://schemas.openxmlformats.org/drawingml/2006/diagram" xmlns:r="http://schemas.openxmlformats.org/officeDocument/2006/relationships" r:dm="rId2" r:lo="rId3" r:qs="rId4" r:cs="rId5"/>
+          </a:graphicData>
+        </a:graphic>
+      </p:graphicFrame>
     </p:spTree>
     <p:extLst>
       <p:ext uri="{BB962C8B-B14F-4D97-AF65-F5344CB8AC3E}">
-        <p14:creationId xmlns:p14="http://schemas.microsoft.com/office/powerpoint/2010/main" val="3777701228"/>
+        <p14:creationId xmlns:p14="http://schemas.microsoft.com/office/powerpoint/2010/main" val="2003513983"/>
       </p:ext>
     </p:extLst>
   </p:cSld>
@@ -5500,6 +8642,1103 @@
       </p:grpSpPr>
       <p:sp>
         <p:nvSpPr>
+          <p:cNvPr id="2" name="Date Placeholder 1">
+            <a:extLst>
+              <a:ext uri="{FF2B5EF4-FFF2-40B4-BE49-F238E27FC236}">
+                <a16:creationId xmlns:a16="http://schemas.microsoft.com/office/drawing/2014/main" id="{99462A1E-B9E8-4859-8238-BE0612E01C90}"/>
+              </a:ext>
+            </a:extLst>
+          </p:cNvPr>
+          <p:cNvSpPr>
+            <a:spLocks noGrp="1"/>
+          </p:cNvSpPr>
+          <p:nvPr>
+            <p:ph type="dt" sz="half" idx="10"/>
+          </p:nvPr>
+        </p:nvSpPr>
+        <p:spPr/>
+        <p:txBody>
+          <a:bodyPr/>
+          <a:lstStyle/>
+          <a:p>
+            <a:fld id="{1C992260-3318-495F-92A7-10712F5BECF0}" type="datetime1">
+              <a:rPr lang="en-GB" smtClean="0"/>
+              <a:t>20/06/2021</a:t>
+            </a:fld>
+            <a:endParaRPr lang="nl-NL"/>
+          </a:p>
+        </p:txBody>
+      </p:sp>
+      <p:sp>
+        <p:nvSpPr>
+          <p:cNvPr id="3" name="Footer Placeholder 2">
+            <a:extLst>
+              <a:ext uri="{FF2B5EF4-FFF2-40B4-BE49-F238E27FC236}">
+                <a16:creationId xmlns:a16="http://schemas.microsoft.com/office/drawing/2014/main" id="{7323630C-82D2-4113-BB21-DD9BF00038E3}"/>
+              </a:ext>
+            </a:extLst>
+          </p:cNvPr>
+          <p:cNvSpPr>
+            <a:spLocks noGrp="1"/>
+          </p:cNvSpPr>
+          <p:nvPr>
+            <p:ph type="ftr" sz="quarter" idx="11"/>
+          </p:nvPr>
+        </p:nvSpPr>
+        <p:spPr/>
+        <p:txBody>
+          <a:bodyPr/>
+          <a:lstStyle/>
+          <a:p>
+            <a:r>
+              <a:rPr lang="nl-NL"/>
+              <a:t>Faculty Engineering Science</a:t>
+            </a:r>
+          </a:p>
+        </p:txBody>
+      </p:sp>
+      <p:sp>
+        <p:nvSpPr>
+          <p:cNvPr id="4" name="Slide Number Placeholder 3">
+            <a:extLst>
+              <a:ext uri="{FF2B5EF4-FFF2-40B4-BE49-F238E27FC236}">
+                <a16:creationId xmlns:a16="http://schemas.microsoft.com/office/drawing/2014/main" id="{45327932-1682-45F6-BD50-3B803277FD55}"/>
+              </a:ext>
+            </a:extLst>
+          </p:cNvPr>
+          <p:cNvSpPr>
+            <a:spLocks noGrp="1"/>
+          </p:cNvSpPr>
+          <p:nvPr>
+            <p:ph type="sldNum" sz="quarter" idx="12"/>
+          </p:nvPr>
+        </p:nvSpPr>
+        <p:spPr/>
+        <p:txBody>
+          <a:bodyPr/>
+          <a:lstStyle/>
+          <a:p>
+            <a:fld id="{CF179DAE-D0A6-40C3-B8BC-6A97C268D03A}" type="slidenum">
+              <a:rPr lang="nl-NL" smtClean="0"/>
+              <a:t>4</a:t>
+            </a:fld>
+            <a:endParaRPr lang="nl-NL"/>
+          </a:p>
+        </p:txBody>
+      </p:sp>
+      <p:sp>
+        <p:nvSpPr>
+          <p:cNvPr id="5" name="Title 4">
+            <a:extLst>
+              <a:ext uri="{FF2B5EF4-FFF2-40B4-BE49-F238E27FC236}">
+                <a16:creationId xmlns:a16="http://schemas.microsoft.com/office/drawing/2014/main" id="{1FF23B02-3023-4C09-B6FD-FDCB3EEC8B38}"/>
+              </a:ext>
+            </a:extLst>
+          </p:cNvPr>
+          <p:cNvSpPr>
+            <a:spLocks noGrp="1"/>
+          </p:cNvSpPr>
+          <p:nvPr>
+            <p:ph type="title"/>
+          </p:nvPr>
+        </p:nvSpPr>
+        <p:spPr>
+          <a:xfrm>
+            <a:off x="576003" y="1800000"/>
+            <a:ext cx="8333999" cy="1180592"/>
+          </a:xfrm>
+        </p:spPr>
+        <p:txBody>
+          <a:bodyPr/>
+          <a:lstStyle/>
+          <a:p>
+            <a:r>
+              <a:rPr lang="en-GB" dirty="0"/>
+              <a:t>Agenda</a:t>
+            </a:r>
+          </a:p>
+        </p:txBody>
+      </p:sp>
+      <p:sp>
+        <p:nvSpPr>
+          <p:cNvPr id="6" name="Text Placeholder 5">
+            <a:extLst>
+              <a:ext uri="{FF2B5EF4-FFF2-40B4-BE49-F238E27FC236}">
+                <a16:creationId xmlns:a16="http://schemas.microsoft.com/office/drawing/2014/main" id="{4AA756B5-FEC2-4894-AE0F-D0A25C898CD9}"/>
+              </a:ext>
+            </a:extLst>
+          </p:cNvPr>
+          <p:cNvSpPr>
+            <a:spLocks noGrp="1"/>
+          </p:cNvSpPr>
+          <p:nvPr>
+            <p:ph type="body" idx="1"/>
+          </p:nvPr>
+        </p:nvSpPr>
+        <p:spPr>
+          <a:xfrm>
+            <a:off x="576003" y="3138854"/>
+            <a:ext cx="8333999" cy="2721947"/>
+          </a:xfrm>
+        </p:spPr>
+        <p:txBody>
+          <a:bodyPr>
+            <a:normAutofit/>
+          </a:bodyPr>
+          <a:lstStyle/>
+          <a:p>
+            <a:pPr marL="342900" indent="-342900">
+              <a:buFont typeface="Arial" panose="020B0604020202020204" pitchFamily="34" charset="0"/>
+              <a:buChar char="•"/>
+            </a:pPr>
+            <a:r>
+              <a:rPr lang="en-GB" dirty="0"/>
+              <a:t>Research question</a:t>
+            </a:r>
+          </a:p>
+          <a:p>
+            <a:pPr marL="342900" indent="-342900">
+              <a:buFont typeface="Arial" panose="020B0604020202020204" pitchFamily="34" charset="0"/>
+              <a:buChar char="•"/>
+            </a:pPr>
+            <a:r>
+              <a:rPr lang="en-GB" dirty="0"/>
+              <a:t>Methodology</a:t>
+            </a:r>
+          </a:p>
+          <a:p>
+            <a:pPr marL="342900" indent="-342900">
+              <a:buFont typeface="Arial" panose="020B0604020202020204" pitchFamily="34" charset="0"/>
+              <a:buChar char="•"/>
+            </a:pPr>
+            <a:r>
+              <a:rPr lang="en-GB" dirty="0"/>
+              <a:t>Literature review</a:t>
+            </a:r>
+          </a:p>
+          <a:p>
+            <a:pPr marL="342900" indent="-342900">
+              <a:buFont typeface="Arial" panose="020B0604020202020204" pitchFamily="34" charset="0"/>
+              <a:buChar char="•"/>
+            </a:pPr>
+            <a:r>
+              <a:rPr lang="en-GB" dirty="0"/>
+              <a:t>Results </a:t>
+            </a:r>
+          </a:p>
+          <a:p>
+            <a:pPr marL="342900" indent="-342900">
+              <a:buFont typeface="Arial" panose="020B0604020202020204" pitchFamily="34" charset="0"/>
+              <a:buChar char="•"/>
+            </a:pPr>
+            <a:r>
+              <a:rPr lang="en-GB" dirty="0"/>
+              <a:t>Conclusion</a:t>
+            </a:r>
+          </a:p>
+          <a:p>
+            <a:pPr marL="342900" indent="-342900">
+              <a:buFont typeface="Arial" panose="020B0604020202020204" pitchFamily="34" charset="0"/>
+              <a:buChar char="•"/>
+            </a:pPr>
+            <a:endParaRPr lang="en-GB" dirty="0"/>
+          </a:p>
+        </p:txBody>
+      </p:sp>
+    </p:spTree>
+    <p:extLst>
+      <p:ext uri="{BB962C8B-B14F-4D97-AF65-F5344CB8AC3E}">
+        <p14:creationId xmlns:p14="http://schemas.microsoft.com/office/powerpoint/2010/main" val="4032929500"/>
+      </p:ext>
+    </p:extLst>
+  </p:cSld>
+  <p:clrMapOvr>
+    <a:masterClrMapping/>
+  </p:clrMapOvr>
+</p:sld>
+</file>
+
+<file path=ppt/slides/slide5.xml><?xml version="1.0" encoding="utf-8"?>
+<p:sld xmlns:a="http://schemas.openxmlformats.org/drawingml/2006/main" xmlns:r="http://schemas.openxmlformats.org/officeDocument/2006/relationships" xmlns:p="http://schemas.openxmlformats.org/presentationml/2006/main">
+  <p:cSld>
+    <p:spTree>
+      <p:nvGrpSpPr>
+        <p:cNvPr id="1" name=""/>
+        <p:cNvGrpSpPr/>
+        <p:nvPr/>
+      </p:nvGrpSpPr>
+      <p:grpSpPr>
+        <a:xfrm>
+          <a:off x="0" y="0"/>
+          <a:ext cx="0" cy="0"/>
+          <a:chOff x="0" y="0"/>
+          <a:chExt cx="0" cy="0"/>
+        </a:xfrm>
+      </p:grpSpPr>
+      <p:sp>
+        <p:nvSpPr>
+          <p:cNvPr id="2" name="Date Placeholder 1">
+            <a:extLst>
+              <a:ext uri="{FF2B5EF4-FFF2-40B4-BE49-F238E27FC236}">
+                <a16:creationId xmlns:a16="http://schemas.microsoft.com/office/drawing/2014/main" id="{99462A1E-B9E8-4859-8238-BE0612E01C90}"/>
+              </a:ext>
+            </a:extLst>
+          </p:cNvPr>
+          <p:cNvSpPr>
+            <a:spLocks noGrp="1"/>
+          </p:cNvSpPr>
+          <p:nvPr>
+            <p:ph type="dt" sz="half" idx="10"/>
+          </p:nvPr>
+        </p:nvSpPr>
+        <p:spPr/>
+        <p:txBody>
+          <a:bodyPr/>
+          <a:lstStyle/>
+          <a:p>
+            <a:fld id="{1C992260-3318-495F-92A7-10712F5BECF0}" type="datetime1">
+              <a:rPr lang="en-GB" smtClean="0"/>
+              <a:t>20/06/2021</a:t>
+            </a:fld>
+            <a:endParaRPr lang="nl-NL"/>
+          </a:p>
+        </p:txBody>
+      </p:sp>
+      <p:sp>
+        <p:nvSpPr>
+          <p:cNvPr id="3" name="Footer Placeholder 2">
+            <a:extLst>
+              <a:ext uri="{FF2B5EF4-FFF2-40B4-BE49-F238E27FC236}">
+                <a16:creationId xmlns:a16="http://schemas.microsoft.com/office/drawing/2014/main" id="{7323630C-82D2-4113-BB21-DD9BF00038E3}"/>
+              </a:ext>
+            </a:extLst>
+          </p:cNvPr>
+          <p:cNvSpPr>
+            <a:spLocks noGrp="1"/>
+          </p:cNvSpPr>
+          <p:nvPr>
+            <p:ph type="ftr" sz="quarter" idx="11"/>
+          </p:nvPr>
+        </p:nvSpPr>
+        <p:spPr/>
+        <p:txBody>
+          <a:bodyPr/>
+          <a:lstStyle/>
+          <a:p>
+            <a:r>
+              <a:rPr lang="nl-NL"/>
+              <a:t>Faculty Engineering Science</a:t>
+            </a:r>
+          </a:p>
+        </p:txBody>
+      </p:sp>
+      <p:sp>
+        <p:nvSpPr>
+          <p:cNvPr id="4" name="Slide Number Placeholder 3">
+            <a:extLst>
+              <a:ext uri="{FF2B5EF4-FFF2-40B4-BE49-F238E27FC236}">
+                <a16:creationId xmlns:a16="http://schemas.microsoft.com/office/drawing/2014/main" id="{45327932-1682-45F6-BD50-3B803277FD55}"/>
+              </a:ext>
+            </a:extLst>
+          </p:cNvPr>
+          <p:cNvSpPr>
+            <a:spLocks noGrp="1"/>
+          </p:cNvSpPr>
+          <p:nvPr>
+            <p:ph type="sldNum" sz="quarter" idx="12"/>
+          </p:nvPr>
+        </p:nvSpPr>
+        <p:spPr/>
+        <p:txBody>
+          <a:bodyPr/>
+          <a:lstStyle/>
+          <a:p>
+            <a:fld id="{CF179DAE-D0A6-40C3-B8BC-6A97C268D03A}" type="slidenum">
+              <a:rPr lang="nl-NL" smtClean="0"/>
+              <a:t>5</a:t>
+            </a:fld>
+            <a:endParaRPr lang="nl-NL"/>
+          </a:p>
+        </p:txBody>
+      </p:sp>
+      <p:sp>
+        <p:nvSpPr>
+          <p:cNvPr id="5" name="Title 4">
+            <a:extLst>
+              <a:ext uri="{FF2B5EF4-FFF2-40B4-BE49-F238E27FC236}">
+                <a16:creationId xmlns:a16="http://schemas.microsoft.com/office/drawing/2014/main" id="{1FF23B02-3023-4C09-B6FD-FDCB3EEC8B38}"/>
+              </a:ext>
+            </a:extLst>
+          </p:cNvPr>
+          <p:cNvSpPr>
+            <a:spLocks noGrp="1"/>
+          </p:cNvSpPr>
+          <p:nvPr>
+            <p:ph type="title"/>
+          </p:nvPr>
+        </p:nvSpPr>
+        <p:spPr>
+          <a:xfrm>
+            <a:off x="576003" y="1800000"/>
+            <a:ext cx="8333999" cy="1180592"/>
+          </a:xfrm>
+        </p:spPr>
+        <p:txBody>
+          <a:bodyPr/>
+          <a:lstStyle/>
+          <a:p>
+            <a:r>
+              <a:rPr lang="en-GB" dirty="0"/>
+              <a:t>Agenda</a:t>
+            </a:r>
+          </a:p>
+        </p:txBody>
+      </p:sp>
+      <p:sp>
+        <p:nvSpPr>
+          <p:cNvPr id="6" name="Text Placeholder 5">
+            <a:extLst>
+              <a:ext uri="{FF2B5EF4-FFF2-40B4-BE49-F238E27FC236}">
+                <a16:creationId xmlns:a16="http://schemas.microsoft.com/office/drawing/2014/main" id="{4AA756B5-FEC2-4894-AE0F-D0A25C898CD9}"/>
+              </a:ext>
+            </a:extLst>
+          </p:cNvPr>
+          <p:cNvSpPr>
+            <a:spLocks noGrp="1"/>
+          </p:cNvSpPr>
+          <p:nvPr>
+            <p:ph type="body" idx="1"/>
+          </p:nvPr>
+        </p:nvSpPr>
+        <p:spPr>
+          <a:xfrm>
+            <a:off x="576003" y="3138854"/>
+            <a:ext cx="8333999" cy="2721947"/>
+          </a:xfrm>
+        </p:spPr>
+        <p:txBody>
+          <a:bodyPr>
+            <a:normAutofit/>
+          </a:bodyPr>
+          <a:lstStyle/>
+          <a:p>
+            <a:pPr marL="342900" indent="-342900">
+              <a:buFont typeface="Arial" panose="020B0604020202020204" pitchFamily="34" charset="0"/>
+              <a:buChar char="•"/>
+            </a:pPr>
+            <a:r>
+              <a:rPr lang="en-GB" b="1" u="sng" dirty="0"/>
+              <a:t>Research question</a:t>
+            </a:r>
+          </a:p>
+          <a:p>
+            <a:pPr marL="342900" indent="-342900">
+              <a:buFont typeface="Arial" panose="020B0604020202020204" pitchFamily="34" charset="0"/>
+              <a:buChar char="•"/>
+            </a:pPr>
+            <a:r>
+              <a:rPr lang="en-GB" dirty="0"/>
+              <a:t>Methodology</a:t>
+            </a:r>
+          </a:p>
+          <a:p>
+            <a:pPr marL="342900" indent="-342900">
+              <a:buFont typeface="Arial" panose="020B0604020202020204" pitchFamily="34" charset="0"/>
+              <a:buChar char="•"/>
+            </a:pPr>
+            <a:r>
+              <a:rPr lang="en-GB" dirty="0"/>
+              <a:t>Literature review</a:t>
+            </a:r>
+          </a:p>
+          <a:p>
+            <a:pPr marL="342900" indent="-342900">
+              <a:buFont typeface="Arial" panose="020B0604020202020204" pitchFamily="34" charset="0"/>
+              <a:buChar char="•"/>
+            </a:pPr>
+            <a:r>
+              <a:rPr lang="en-GB" dirty="0"/>
+              <a:t>Results </a:t>
+            </a:r>
+          </a:p>
+          <a:p>
+            <a:pPr marL="342900" indent="-342900">
+              <a:buFont typeface="Arial" panose="020B0604020202020204" pitchFamily="34" charset="0"/>
+              <a:buChar char="•"/>
+            </a:pPr>
+            <a:r>
+              <a:rPr lang="en-GB" dirty="0"/>
+              <a:t>Conclusion</a:t>
+            </a:r>
+          </a:p>
+          <a:p>
+            <a:pPr marL="342900" indent="-342900">
+              <a:buFont typeface="Arial" panose="020B0604020202020204" pitchFamily="34" charset="0"/>
+              <a:buChar char="•"/>
+            </a:pPr>
+            <a:endParaRPr lang="en-GB" dirty="0"/>
+          </a:p>
+        </p:txBody>
+      </p:sp>
+    </p:spTree>
+    <p:extLst>
+      <p:ext uri="{BB962C8B-B14F-4D97-AF65-F5344CB8AC3E}">
+        <p14:creationId xmlns:p14="http://schemas.microsoft.com/office/powerpoint/2010/main" val="3946572888"/>
+      </p:ext>
+    </p:extLst>
+  </p:cSld>
+  <p:clrMapOvr>
+    <a:masterClrMapping/>
+  </p:clrMapOvr>
+</p:sld>
+</file>
+
+<file path=ppt/slides/slide6.xml><?xml version="1.0" encoding="utf-8"?>
+<p:sld xmlns:a="http://schemas.openxmlformats.org/drawingml/2006/main" xmlns:r="http://schemas.openxmlformats.org/officeDocument/2006/relationships" xmlns:p="http://schemas.openxmlformats.org/presentationml/2006/main">
+  <p:cSld>
+    <p:spTree>
+      <p:nvGrpSpPr>
+        <p:cNvPr id="1" name=""/>
+        <p:cNvGrpSpPr/>
+        <p:nvPr/>
+      </p:nvGrpSpPr>
+      <p:grpSpPr>
+        <a:xfrm>
+          <a:off x="0" y="0"/>
+          <a:ext cx="0" cy="0"/>
+          <a:chOff x="0" y="0"/>
+          <a:chExt cx="0" cy="0"/>
+        </a:xfrm>
+      </p:grpSpPr>
+      <p:sp>
+        <p:nvSpPr>
+          <p:cNvPr id="2" name="Content Placeholder 1">
+            <a:extLst>
+              <a:ext uri="{FF2B5EF4-FFF2-40B4-BE49-F238E27FC236}">
+                <a16:creationId xmlns:a16="http://schemas.microsoft.com/office/drawing/2014/main" id="{9B30B57E-FB28-4FBC-B9F4-9B5E104D844C}"/>
+              </a:ext>
+            </a:extLst>
+          </p:cNvPr>
+          <p:cNvSpPr>
+            <a:spLocks noGrp="1"/>
+          </p:cNvSpPr>
+          <p:nvPr>
+            <p:ph idx="1"/>
+          </p:nvPr>
+        </p:nvSpPr>
+        <p:spPr>
+          <a:xfrm>
+            <a:off x="576000" y="1159471"/>
+            <a:ext cx="11041200" cy="4960529"/>
+          </a:xfrm>
+        </p:spPr>
+        <p:txBody>
+          <a:bodyPr/>
+          <a:lstStyle/>
+          <a:p>
+            <a:endParaRPr lang="en-GB" dirty="0"/>
+          </a:p>
+        </p:txBody>
+      </p:sp>
+      <p:sp>
+        <p:nvSpPr>
+          <p:cNvPr id="3" name="Date Placeholder 2">
+            <a:extLst>
+              <a:ext uri="{FF2B5EF4-FFF2-40B4-BE49-F238E27FC236}">
+                <a16:creationId xmlns:a16="http://schemas.microsoft.com/office/drawing/2014/main" id="{7CD04059-DCCD-4DEC-BD41-CDCDD10B61EA}"/>
+              </a:ext>
+            </a:extLst>
+          </p:cNvPr>
+          <p:cNvSpPr>
+            <a:spLocks noGrp="1"/>
+          </p:cNvSpPr>
+          <p:nvPr>
+            <p:ph type="dt" sz="half" idx="10"/>
+          </p:nvPr>
+        </p:nvSpPr>
+        <p:spPr/>
+        <p:txBody>
+          <a:bodyPr/>
+          <a:lstStyle/>
+          <a:p>
+            <a:fld id="{1DEA1872-6A98-488C-9828-4CD6FA2A9BFC}" type="datetime1">
+              <a:rPr lang="en-GB" smtClean="0"/>
+              <a:t>20/06/2021</a:t>
+            </a:fld>
+            <a:endParaRPr lang="nl-NL"/>
+          </a:p>
+        </p:txBody>
+      </p:sp>
+      <p:sp>
+        <p:nvSpPr>
+          <p:cNvPr id="4" name="Footer Placeholder 3">
+            <a:extLst>
+              <a:ext uri="{FF2B5EF4-FFF2-40B4-BE49-F238E27FC236}">
+                <a16:creationId xmlns:a16="http://schemas.microsoft.com/office/drawing/2014/main" id="{09105A6B-6F20-40AB-A3A0-5C75B79684A0}"/>
+              </a:ext>
+            </a:extLst>
+          </p:cNvPr>
+          <p:cNvSpPr>
+            <a:spLocks noGrp="1"/>
+          </p:cNvSpPr>
+          <p:nvPr>
+            <p:ph type="ftr" sz="quarter" idx="11"/>
+          </p:nvPr>
+        </p:nvSpPr>
+        <p:spPr/>
+        <p:txBody>
+          <a:bodyPr/>
+          <a:lstStyle/>
+          <a:p>
+            <a:r>
+              <a:rPr lang="nl-NL"/>
+              <a:t>Faculty Engineering Science</a:t>
+            </a:r>
+          </a:p>
+        </p:txBody>
+      </p:sp>
+      <p:sp>
+        <p:nvSpPr>
+          <p:cNvPr id="5" name="Slide Number Placeholder 4">
+            <a:extLst>
+              <a:ext uri="{FF2B5EF4-FFF2-40B4-BE49-F238E27FC236}">
+                <a16:creationId xmlns:a16="http://schemas.microsoft.com/office/drawing/2014/main" id="{3B22D020-B1DC-4198-AEA2-21490A55E652}"/>
+              </a:ext>
+            </a:extLst>
+          </p:cNvPr>
+          <p:cNvSpPr>
+            <a:spLocks noGrp="1"/>
+          </p:cNvSpPr>
+          <p:nvPr>
+            <p:ph type="sldNum" sz="quarter" idx="12"/>
+          </p:nvPr>
+        </p:nvSpPr>
+        <p:spPr/>
+        <p:txBody>
+          <a:bodyPr/>
+          <a:lstStyle/>
+          <a:p>
+            <a:fld id="{0A297500-7527-634B-90F4-69D0994C32B4}" type="slidenum">
+              <a:rPr lang="nl-NL" smtClean="0"/>
+              <a:t>6</a:t>
+            </a:fld>
+            <a:endParaRPr lang="nl-NL"/>
+          </a:p>
+        </p:txBody>
+      </p:sp>
+      <p:sp>
+        <p:nvSpPr>
+          <p:cNvPr id="6" name="Title 5">
+            <a:extLst>
+              <a:ext uri="{FF2B5EF4-FFF2-40B4-BE49-F238E27FC236}">
+                <a16:creationId xmlns:a16="http://schemas.microsoft.com/office/drawing/2014/main" id="{4153B50A-CF8B-4802-82BD-0B68EA0E36E4}"/>
+              </a:ext>
+            </a:extLst>
+          </p:cNvPr>
+          <p:cNvSpPr>
+            <a:spLocks noGrp="1"/>
+          </p:cNvSpPr>
+          <p:nvPr>
+            <p:ph type="title"/>
+          </p:nvPr>
+        </p:nvSpPr>
+        <p:spPr>
+          <a:xfrm>
+            <a:off x="442235" y="561058"/>
+            <a:ext cx="11041200" cy="453514"/>
+          </a:xfrm>
+        </p:spPr>
+        <p:txBody>
+          <a:bodyPr>
+            <a:normAutofit fontScale="90000"/>
+          </a:bodyPr>
+          <a:lstStyle/>
+          <a:p>
+            <a:r>
+              <a:rPr lang="en-GB" dirty="0"/>
+              <a:t>LSTM model</a:t>
+            </a:r>
+          </a:p>
+        </p:txBody>
+      </p:sp>
+      <p:sp>
+        <p:nvSpPr>
+          <p:cNvPr id="23" name="TextBox 22">
+            <a:extLst>
+              <a:ext uri="{FF2B5EF4-FFF2-40B4-BE49-F238E27FC236}">
+                <a16:creationId xmlns:a16="http://schemas.microsoft.com/office/drawing/2014/main" id="{E0AC4D80-F092-4A78-99F1-0509CF398D0F}"/>
+              </a:ext>
+            </a:extLst>
+          </p:cNvPr>
+          <p:cNvSpPr txBox="1"/>
+          <p:nvPr/>
+        </p:nvSpPr>
+        <p:spPr>
+          <a:xfrm>
+            <a:off x="442235" y="87152"/>
+            <a:ext cx="2354231" cy="383905"/>
+          </a:xfrm>
+          <a:prstGeom prst="rect">
+            <a:avLst/>
+          </a:prstGeom>
+          <a:solidFill>
+            <a:srgbClr val="1D8DB0"/>
+          </a:solidFill>
+          <a:ln>
+            <a:solidFill>
+              <a:srgbClr val="1D8DB0"/>
+            </a:solidFill>
+          </a:ln>
+        </p:spPr>
+        <p:txBody>
+          <a:bodyPr wrap="square" rtlCol="0">
+            <a:spAutoFit/>
+          </a:bodyPr>
+          <a:lstStyle/>
+          <a:p>
+            <a:r>
+              <a:rPr lang="en-GB" b="1" dirty="0">
+                <a:solidFill>
+                  <a:schemeClr val="bg1"/>
+                </a:solidFill>
+              </a:rPr>
+              <a:t>Introduction</a:t>
+            </a:r>
+          </a:p>
+        </p:txBody>
+      </p:sp>
+      <p:sp>
+        <p:nvSpPr>
+          <p:cNvPr id="27" name="Flowchart: Connector 26">
+            <a:hlinkClick r:id="" action="ppaction://hlinkshowjump?jump=nextslide"/>
+            <a:extLst>
+              <a:ext uri="{FF2B5EF4-FFF2-40B4-BE49-F238E27FC236}">
+                <a16:creationId xmlns:a16="http://schemas.microsoft.com/office/drawing/2014/main" id="{BA5388C3-BB96-4ACE-89EF-A395AC150D93}"/>
+              </a:ext>
+            </a:extLst>
+          </p:cNvPr>
+          <p:cNvSpPr/>
+          <p:nvPr/>
+        </p:nvSpPr>
+        <p:spPr>
+          <a:xfrm>
+            <a:off x="2077952" y="231847"/>
+            <a:ext cx="91736" cy="106532"/>
+          </a:xfrm>
+          <a:prstGeom prst="flowChartConnector">
+            <a:avLst/>
+          </a:prstGeom>
+          <a:solidFill>
+            <a:srgbClr val="1D8DB0"/>
+          </a:solidFill>
+          <a:ln w="19050">
+            <a:solidFill>
+              <a:schemeClr val="bg1"/>
+            </a:solidFill>
+          </a:ln>
+        </p:spPr>
+        <p:style>
+          <a:lnRef idx="2">
+            <a:schemeClr val="accent1">
+              <a:shade val="50000"/>
+            </a:schemeClr>
+          </a:lnRef>
+          <a:fillRef idx="1">
+            <a:schemeClr val="accent1"/>
+          </a:fillRef>
+          <a:effectRef idx="0">
+            <a:schemeClr val="accent1"/>
+          </a:effectRef>
+          <a:fontRef idx="minor">
+            <a:schemeClr val="lt1"/>
+          </a:fontRef>
+        </p:style>
+        <p:txBody>
+          <a:bodyPr rtlCol="0" anchor="ctr"/>
+          <a:lstStyle/>
+          <a:p>
+            <a:pPr algn="ctr"/>
+            <a:endParaRPr lang="en-GB">
+              <a:solidFill>
+                <a:schemeClr val="tx1">
+                  <a:lumMod val="50000"/>
+                </a:schemeClr>
+              </a:solidFill>
+            </a:endParaRPr>
+          </a:p>
+        </p:txBody>
+      </p:sp>
+      <p:sp>
+        <p:nvSpPr>
+          <p:cNvPr id="28" name="Flowchart: Connector 27">
+            <a:hlinkClick r:id="" action="ppaction://hlinkshowjump?jump=nextslide"/>
+            <a:extLst>
+              <a:ext uri="{FF2B5EF4-FFF2-40B4-BE49-F238E27FC236}">
+                <a16:creationId xmlns:a16="http://schemas.microsoft.com/office/drawing/2014/main" id="{7C66071B-14C1-4DBE-BE58-B0D924B43C59}"/>
+              </a:ext>
+            </a:extLst>
+          </p:cNvPr>
+          <p:cNvSpPr/>
+          <p:nvPr/>
+        </p:nvSpPr>
+        <p:spPr>
+          <a:xfrm>
+            <a:off x="2258465" y="231847"/>
+            <a:ext cx="91736" cy="106532"/>
+          </a:xfrm>
+          <a:prstGeom prst="flowChartConnector">
+            <a:avLst/>
+          </a:prstGeom>
+          <a:solidFill>
+            <a:schemeClr val="bg1"/>
+          </a:solidFill>
+          <a:ln w="19050">
+            <a:solidFill>
+              <a:srgbClr val="FFFFFF"/>
+            </a:solidFill>
+          </a:ln>
+        </p:spPr>
+        <p:style>
+          <a:lnRef idx="2">
+            <a:schemeClr val="accent1">
+              <a:shade val="50000"/>
+            </a:schemeClr>
+          </a:lnRef>
+          <a:fillRef idx="1">
+            <a:schemeClr val="accent1"/>
+          </a:fillRef>
+          <a:effectRef idx="0">
+            <a:schemeClr val="accent1"/>
+          </a:effectRef>
+          <a:fontRef idx="minor">
+            <a:schemeClr val="lt1"/>
+          </a:fontRef>
+        </p:style>
+        <p:txBody>
+          <a:bodyPr rtlCol="0" anchor="ctr"/>
+          <a:lstStyle/>
+          <a:p>
+            <a:pPr algn="ctr"/>
+            <a:endParaRPr lang="en-GB"/>
+          </a:p>
+        </p:txBody>
+      </p:sp>
+      <p:sp>
+        <p:nvSpPr>
+          <p:cNvPr id="29" name="Flowchart: Connector 28">
+            <a:hlinkClick r:id="" action="ppaction://hlinkshowjump?jump=nextslide"/>
+            <a:extLst>
+              <a:ext uri="{FF2B5EF4-FFF2-40B4-BE49-F238E27FC236}">
+                <a16:creationId xmlns:a16="http://schemas.microsoft.com/office/drawing/2014/main" id="{8466F5BE-EF4E-4371-ACD9-27435014CF33}"/>
+              </a:ext>
+            </a:extLst>
+          </p:cNvPr>
+          <p:cNvSpPr/>
+          <p:nvPr/>
+        </p:nvSpPr>
+        <p:spPr>
+          <a:xfrm>
+            <a:off x="2431044" y="231847"/>
+            <a:ext cx="91736" cy="106532"/>
+          </a:xfrm>
+          <a:prstGeom prst="flowChartConnector">
+            <a:avLst/>
+          </a:prstGeom>
+          <a:solidFill>
+            <a:schemeClr val="tx2"/>
+          </a:solidFill>
+          <a:ln w="19050">
+            <a:solidFill>
+              <a:schemeClr val="bg1"/>
+            </a:solidFill>
+          </a:ln>
+        </p:spPr>
+        <p:style>
+          <a:lnRef idx="2">
+            <a:schemeClr val="accent1">
+              <a:shade val="50000"/>
+            </a:schemeClr>
+          </a:lnRef>
+          <a:fillRef idx="1">
+            <a:schemeClr val="accent1"/>
+          </a:fillRef>
+          <a:effectRef idx="0">
+            <a:schemeClr val="accent1"/>
+          </a:effectRef>
+          <a:fontRef idx="minor">
+            <a:schemeClr val="lt1"/>
+          </a:fontRef>
+        </p:style>
+        <p:txBody>
+          <a:bodyPr rtlCol="0" anchor="ctr"/>
+          <a:lstStyle/>
+          <a:p>
+            <a:pPr algn="ctr"/>
+            <a:endParaRPr lang="en-GB"/>
+          </a:p>
+        </p:txBody>
+      </p:sp>
+      <p:sp>
+        <p:nvSpPr>
+          <p:cNvPr id="31" name="Flowchart: Connector 30">
+            <a:hlinkClick r:id="" action="ppaction://hlinkshowjump?jump=nextslide"/>
+            <a:extLst>
+              <a:ext uri="{FF2B5EF4-FFF2-40B4-BE49-F238E27FC236}">
+                <a16:creationId xmlns:a16="http://schemas.microsoft.com/office/drawing/2014/main" id="{4E231F23-9CF6-4A5E-98CC-32936C1AF16E}"/>
+              </a:ext>
+            </a:extLst>
+          </p:cNvPr>
+          <p:cNvSpPr/>
+          <p:nvPr/>
+        </p:nvSpPr>
+        <p:spPr>
+          <a:xfrm>
+            <a:off x="2583444" y="231847"/>
+            <a:ext cx="91736" cy="106532"/>
+          </a:xfrm>
+          <a:prstGeom prst="flowChartConnector">
+            <a:avLst/>
+          </a:prstGeom>
+          <a:solidFill>
+            <a:schemeClr val="tx2"/>
+          </a:solidFill>
+          <a:ln w="19050">
+            <a:solidFill>
+              <a:srgbClr val="FFFFFF"/>
+            </a:solidFill>
+          </a:ln>
+        </p:spPr>
+        <p:style>
+          <a:lnRef idx="2">
+            <a:schemeClr val="accent1">
+              <a:shade val="50000"/>
+            </a:schemeClr>
+          </a:lnRef>
+          <a:fillRef idx="1">
+            <a:schemeClr val="accent1"/>
+          </a:fillRef>
+          <a:effectRef idx="0">
+            <a:schemeClr val="accent1"/>
+          </a:effectRef>
+          <a:fontRef idx="minor">
+            <a:schemeClr val="lt1"/>
+          </a:fontRef>
+        </p:style>
+        <p:txBody>
+          <a:bodyPr rtlCol="0" anchor="ctr"/>
+          <a:lstStyle/>
+          <a:p>
+            <a:pPr algn="ctr"/>
+            <a:endParaRPr lang="en-GB"/>
+          </a:p>
+        </p:txBody>
+      </p:sp>
+    </p:spTree>
+    <p:extLst>
+      <p:ext uri="{BB962C8B-B14F-4D97-AF65-F5344CB8AC3E}">
+        <p14:creationId xmlns:p14="http://schemas.microsoft.com/office/powerpoint/2010/main" val="3777701228"/>
+      </p:ext>
+    </p:extLst>
+  </p:cSld>
+  <p:clrMapOvr>
+    <a:masterClrMapping/>
+  </p:clrMapOvr>
+</p:sld>
+</file>
+
+<file path=ppt/slides/slide7.xml><?xml version="1.0" encoding="utf-8"?>
+<p:sld xmlns:a="http://schemas.openxmlformats.org/drawingml/2006/main" xmlns:r="http://schemas.openxmlformats.org/officeDocument/2006/relationships" xmlns:p="http://schemas.openxmlformats.org/presentationml/2006/main">
+  <p:cSld>
+    <p:spTree>
+      <p:nvGrpSpPr>
+        <p:cNvPr id="1" name=""/>
+        <p:cNvGrpSpPr/>
+        <p:nvPr/>
+      </p:nvGrpSpPr>
+      <p:grpSpPr>
+        <a:xfrm>
+          <a:off x="0" y="0"/>
+          <a:ext cx="0" cy="0"/>
+          <a:chOff x="0" y="0"/>
+          <a:chExt cx="0" cy="0"/>
+        </a:xfrm>
+      </p:grpSpPr>
+      <p:sp>
+        <p:nvSpPr>
+          <p:cNvPr id="2" name="Content Placeholder 1">
+            <a:extLst>
+              <a:ext uri="{FF2B5EF4-FFF2-40B4-BE49-F238E27FC236}">
+                <a16:creationId xmlns:a16="http://schemas.microsoft.com/office/drawing/2014/main" id="{9B30B57E-FB28-4FBC-B9F4-9B5E104D844C}"/>
+              </a:ext>
+            </a:extLst>
+          </p:cNvPr>
+          <p:cNvSpPr>
+            <a:spLocks noGrp="1"/>
+          </p:cNvSpPr>
+          <p:nvPr>
+            <p:ph idx="1"/>
+          </p:nvPr>
+        </p:nvSpPr>
+        <p:spPr/>
+        <p:txBody>
+          <a:bodyPr/>
+          <a:lstStyle/>
+          <a:p>
+            <a:endParaRPr lang="en-GB" dirty="0"/>
+          </a:p>
+        </p:txBody>
+      </p:sp>
+      <p:sp>
+        <p:nvSpPr>
+          <p:cNvPr id="3" name="Date Placeholder 2">
+            <a:extLst>
+              <a:ext uri="{FF2B5EF4-FFF2-40B4-BE49-F238E27FC236}">
+                <a16:creationId xmlns:a16="http://schemas.microsoft.com/office/drawing/2014/main" id="{7CD04059-DCCD-4DEC-BD41-CDCDD10B61EA}"/>
+              </a:ext>
+            </a:extLst>
+          </p:cNvPr>
+          <p:cNvSpPr>
+            <a:spLocks noGrp="1"/>
+          </p:cNvSpPr>
+          <p:nvPr>
+            <p:ph type="dt" sz="half" idx="10"/>
+          </p:nvPr>
+        </p:nvSpPr>
+        <p:spPr/>
+        <p:txBody>
+          <a:bodyPr/>
+          <a:lstStyle/>
+          <a:p>
+            <a:fld id="{EEDD25B4-79A6-4A84-AC20-1D52CE745D85}" type="datetime1">
+              <a:rPr lang="en-GB" smtClean="0"/>
+              <a:t>20/06/2021</a:t>
+            </a:fld>
+            <a:endParaRPr lang="nl-NL"/>
+          </a:p>
+        </p:txBody>
+      </p:sp>
+      <p:sp>
+        <p:nvSpPr>
+          <p:cNvPr id="4" name="Footer Placeholder 3">
+            <a:extLst>
+              <a:ext uri="{FF2B5EF4-FFF2-40B4-BE49-F238E27FC236}">
+                <a16:creationId xmlns:a16="http://schemas.microsoft.com/office/drawing/2014/main" id="{09105A6B-6F20-40AB-A3A0-5C75B79684A0}"/>
+              </a:ext>
+            </a:extLst>
+          </p:cNvPr>
+          <p:cNvSpPr>
+            <a:spLocks noGrp="1"/>
+          </p:cNvSpPr>
+          <p:nvPr>
+            <p:ph type="ftr" sz="quarter" idx="11"/>
+          </p:nvPr>
+        </p:nvSpPr>
+        <p:spPr/>
+        <p:txBody>
+          <a:bodyPr/>
+          <a:lstStyle/>
+          <a:p>
+            <a:r>
+              <a:rPr lang="nl-NL"/>
+              <a:t>Faculty Engineering Science</a:t>
+            </a:r>
+          </a:p>
+        </p:txBody>
+      </p:sp>
+      <p:sp>
+        <p:nvSpPr>
+          <p:cNvPr id="5" name="Slide Number Placeholder 4">
+            <a:extLst>
+              <a:ext uri="{FF2B5EF4-FFF2-40B4-BE49-F238E27FC236}">
+                <a16:creationId xmlns:a16="http://schemas.microsoft.com/office/drawing/2014/main" id="{3B22D020-B1DC-4198-AEA2-21490A55E652}"/>
+              </a:ext>
+            </a:extLst>
+          </p:cNvPr>
+          <p:cNvSpPr>
+            <a:spLocks noGrp="1"/>
+          </p:cNvSpPr>
+          <p:nvPr>
+            <p:ph type="sldNum" sz="quarter" idx="12"/>
+          </p:nvPr>
+        </p:nvSpPr>
+        <p:spPr/>
+        <p:txBody>
+          <a:bodyPr/>
+          <a:lstStyle/>
+          <a:p>
+            <a:fld id="{0A297500-7527-634B-90F4-69D0994C32B4}" type="slidenum">
+              <a:rPr lang="nl-NL" smtClean="0"/>
+              <a:t>7</a:t>
+            </a:fld>
+            <a:endParaRPr lang="nl-NL"/>
+          </a:p>
+        </p:txBody>
+      </p:sp>
+      <p:sp>
+        <p:nvSpPr>
+          <p:cNvPr id="6" name="Title 5">
+            <a:extLst>
+              <a:ext uri="{FF2B5EF4-FFF2-40B4-BE49-F238E27FC236}">
+                <a16:creationId xmlns:a16="http://schemas.microsoft.com/office/drawing/2014/main" id="{4153B50A-CF8B-4802-82BD-0B68EA0E36E4}"/>
+              </a:ext>
+            </a:extLst>
+          </p:cNvPr>
+          <p:cNvSpPr>
+            <a:spLocks noGrp="1"/>
+          </p:cNvSpPr>
+          <p:nvPr>
+            <p:ph type="title"/>
+          </p:nvPr>
+        </p:nvSpPr>
+        <p:spPr>
+          <a:xfrm>
+            <a:off x="575400" y="207036"/>
+            <a:ext cx="11041200" cy="1152000"/>
+          </a:xfrm>
+        </p:spPr>
+        <p:txBody>
+          <a:bodyPr/>
+          <a:lstStyle/>
+          <a:p>
+            <a:r>
+              <a:rPr lang="en-GB" dirty="0"/>
+              <a:t>Take away message</a:t>
+            </a:r>
+          </a:p>
+        </p:txBody>
+      </p:sp>
+    </p:spTree>
+    <p:extLst>
+      <p:ext uri="{BB962C8B-B14F-4D97-AF65-F5344CB8AC3E}">
+        <p14:creationId xmlns:p14="http://schemas.microsoft.com/office/powerpoint/2010/main" val="1703789032"/>
+      </p:ext>
+    </p:extLst>
+  </p:cSld>
+  <p:clrMapOvr>
+    <a:masterClrMapping/>
+  </p:clrMapOvr>
+</p:sld>
+</file>
+
+<file path=ppt/slides/slide8.xml><?xml version="1.0" encoding="utf-8"?>
+<p:sld xmlns:a="http://schemas.openxmlformats.org/drawingml/2006/main" xmlns:r="http://schemas.openxmlformats.org/officeDocument/2006/relationships" xmlns:p="http://schemas.openxmlformats.org/presentationml/2006/main">
+  <p:cSld>
+    <p:spTree>
+      <p:nvGrpSpPr>
+        <p:cNvPr id="1" name=""/>
+        <p:cNvGrpSpPr/>
+        <p:nvPr/>
+      </p:nvGrpSpPr>
+      <p:grpSpPr>
+        <a:xfrm>
+          <a:off x="0" y="0"/>
+          <a:ext cx="0" cy="0"/>
+          <a:chOff x="0" y="0"/>
+          <a:chExt cx="0" cy="0"/>
+        </a:xfrm>
+      </p:grpSpPr>
+      <p:sp>
+        <p:nvSpPr>
           <p:cNvPr id="2" name="Title 1">
             <a:extLst>
               <a:ext uri="{FF2B5EF4-FFF2-40B4-BE49-F238E27FC236}">
@@ -5613,7 +9852,7 @@
           <a:p>
             <a:fld id="{0A297500-7527-634B-90F4-69D0994C32B4}" type="slidenum">
               <a:rPr lang="nl-NL" smtClean="0"/>
-              <a:t>4</a:t>
+              <a:t>8</a:t>
             </a:fld>
             <a:endParaRPr lang="nl-NL"/>
           </a:p>
